--- a/Presentations/26_June_2019.pptx
+++ b/Presentations/26_June_2019.pptx
@@ -2,18 +2,25 @@
 <file path=ppt/presentation.xml><?xml version="1.0" encoding="utf-8"?>
 <p:presentation xmlns:a="http://schemas.openxmlformats.org/drawingml/2006/main" xmlns:r="http://schemas.openxmlformats.org/officeDocument/2006/relationships" xmlns:p="http://schemas.openxmlformats.org/presentationml/2006/main" saveSubsetFonts="1">
   <p:sldMasterIdLst>
-    <p:sldMasterId id="2147483648" r:id="rId1"/>
+    <p:sldMasterId id="2147483660" r:id="rId1"/>
   </p:sldMasterIdLst>
+  <p:notesMasterIdLst>
+    <p:notesMasterId r:id="rId7"/>
+  </p:notesMasterIdLst>
   <p:sldIdLst>
-    <p:sldId id="256" r:id="rId2"/>
+    <p:sldId id="263" r:id="rId2"/>
+    <p:sldId id="259" r:id="rId3"/>
+    <p:sldId id="261" r:id="rId4"/>
+    <p:sldId id="260" r:id="rId5"/>
+    <p:sldId id="262" r:id="rId6"/>
   </p:sldIdLst>
-  <p:sldSz cx="12192000" cy="6858000"/>
+  <p:sldSz cx="9144000" cy="6858000" type="screen4x3"/>
   <p:notesSz cx="6858000" cy="9144000"/>
   <p:defaultTextStyle>
     <a:defPPr>
       <a:defRPr lang="en-US"/>
     </a:defPPr>
-    <a:lvl1pPr marL="0" algn="l" defTabSz="914400" rtl="0" eaLnBrk="1" latinLnBrk="0" hangingPunct="1">
+    <a:lvl1pPr marL="0" algn="l" defTabSz="457200" rtl="0" eaLnBrk="1" latinLnBrk="0" hangingPunct="1">
       <a:defRPr sz="1800" kern="1200">
         <a:solidFill>
           <a:schemeClr val="tx1"/>
@@ -23,7 +30,7 @@
         <a:cs typeface="+mn-cs"/>
       </a:defRPr>
     </a:lvl1pPr>
-    <a:lvl2pPr marL="457200" algn="l" defTabSz="914400" rtl="0" eaLnBrk="1" latinLnBrk="0" hangingPunct="1">
+    <a:lvl2pPr marL="457200" algn="l" defTabSz="457200" rtl="0" eaLnBrk="1" latinLnBrk="0" hangingPunct="1">
       <a:defRPr sz="1800" kern="1200">
         <a:solidFill>
           <a:schemeClr val="tx1"/>
@@ -33,7 +40,7 @@
         <a:cs typeface="+mn-cs"/>
       </a:defRPr>
     </a:lvl2pPr>
-    <a:lvl3pPr marL="914400" algn="l" defTabSz="914400" rtl="0" eaLnBrk="1" latinLnBrk="0" hangingPunct="1">
+    <a:lvl3pPr marL="914400" algn="l" defTabSz="457200" rtl="0" eaLnBrk="1" latinLnBrk="0" hangingPunct="1">
       <a:defRPr sz="1800" kern="1200">
         <a:solidFill>
           <a:schemeClr val="tx1"/>
@@ -43,7 +50,7 @@
         <a:cs typeface="+mn-cs"/>
       </a:defRPr>
     </a:lvl3pPr>
-    <a:lvl4pPr marL="1371600" algn="l" defTabSz="914400" rtl="0" eaLnBrk="1" latinLnBrk="0" hangingPunct="1">
+    <a:lvl4pPr marL="1371600" algn="l" defTabSz="457200" rtl="0" eaLnBrk="1" latinLnBrk="0" hangingPunct="1">
       <a:defRPr sz="1800" kern="1200">
         <a:solidFill>
           <a:schemeClr val="tx1"/>
@@ -53,7 +60,7 @@
         <a:cs typeface="+mn-cs"/>
       </a:defRPr>
     </a:lvl4pPr>
-    <a:lvl5pPr marL="1828800" algn="l" defTabSz="914400" rtl="0" eaLnBrk="1" latinLnBrk="0" hangingPunct="1">
+    <a:lvl5pPr marL="1828800" algn="l" defTabSz="457200" rtl="0" eaLnBrk="1" latinLnBrk="0" hangingPunct="1">
       <a:defRPr sz="1800" kern="1200">
         <a:solidFill>
           <a:schemeClr val="tx1"/>
@@ -63,7 +70,7 @@
         <a:cs typeface="+mn-cs"/>
       </a:defRPr>
     </a:lvl5pPr>
-    <a:lvl6pPr marL="2286000" algn="l" defTabSz="914400" rtl="0" eaLnBrk="1" latinLnBrk="0" hangingPunct="1">
+    <a:lvl6pPr marL="2286000" algn="l" defTabSz="457200" rtl="0" eaLnBrk="1" latinLnBrk="0" hangingPunct="1">
       <a:defRPr sz="1800" kern="1200">
         <a:solidFill>
           <a:schemeClr val="tx1"/>
@@ -73,7 +80,7 @@
         <a:cs typeface="+mn-cs"/>
       </a:defRPr>
     </a:lvl6pPr>
-    <a:lvl7pPr marL="2743200" algn="l" defTabSz="914400" rtl="0" eaLnBrk="1" latinLnBrk="0" hangingPunct="1">
+    <a:lvl7pPr marL="2743200" algn="l" defTabSz="457200" rtl="0" eaLnBrk="1" latinLnBrk="0" hangingPunct="1">
       <a:defRPr sz="1800" kern="1200">
         <a:solidFill>
           <a:schemeClr val="tx1"/>
@@ -83,7 +90,7 @@
         <a:cs typeface="+mn-cs"/>
       </a:defRPr>
     </a:lvl7pPr>
-    <a:lvl8pPr marL="3200400" algn="l" defTabSz="914400" rtl="0" eaLnBrk="1" latinLnBrk="0" hangingPunct="1">
+    <a:lvl8pPr marL="3200400" algn="l" defTabSz="457200" rtl="0" eaLnBrk="1" latinLnBrk="0" hangingPunct="1">
       <a:defRPr sz="1800" kern="1200">
         <a:solidFill>
           <a:schemeClr val="tx1"/>
@@ -93,7 +100,7 @@
         <a:cs typeface="+mn-cs"/>
       </a:defRPr>
     </a:lvl8pPr>
-    <a:lvl9pPr marL="3657600" algn="l" defTabSz="914400" rtl="0" eaLnBrk="1" latinLnBrk="0" hangingPunct="1">
+    <a:lvl9pPr marL="3657600" algn="l" defTabSz="457200" rtl="0" eaLnBrk="1" latinLnBrk="0" hangingPunct="1">
       <a:defRPr sz="1800" kern="1200">
         <a:solidFill>
           <a:schemeClr val="tx1"/>
@@ -104,7 +111,450 @@
       </a:defRPr>
     </a:lvl9pPr>
   </p:defaultTextStyle>
+  <p:extLst>
+    <p:ext uri="{EFAFB233-063F-42B5-8137-9DF3F51BA10A}">
+      <p15:sldGuideLst xmlns:p15="http://schemas.microsoft.com/office/powerpoint/2012/main"/>
+    </p:ext>
+  </p:extLst>
 </p:presentation>
+</file>
+
+<file path=ppt/notesMasters/notesMaster1.xml><?xml version="1.0" encoding="utf-8"?>
+<p:notesMaster xmlns:a="http://schemas.openxmlformats.org/drawingml/2006/main" xmlns:r="http://schemas.openxmlformats.org/officeDocument/2006/relationships" xmlns:p="http://schemas.openxmlformats.org/presentationml/2006/main">
+  <p:cSld>
+    <p:bg>
+      <p:bgRef idx="1001">
+        <a:schemeClr val="bg1"/>
+      </p:bgRef>
+    </p:bg>
+    <p:spTree>
+      <p:nvGrpSpPr>
+        <p:cNvPr id="1" name=""/>
+        <p:cNvGrpSpPr/>
+        <p:nvPr/>
+      </p:nvGrpSpPr>
+      <p:grpSpPr>
+        <a:xfrm>
+          <a:off x="0" y="0"/>
+          <a:ext cx="0" cy="0"/>
+          <a:chOff x="0" y="0"/>
+          <a:chExt cx="0" cy="0"/>
+        </a:xfrm>
+      </p:grpSpPr>
+      <p:sp>
+        <p:nvSpPr>
+          <p:cNvPr id="2" name="Header Placeholder 1"/>
+          <p:cNvSpPr>
+            <a:spLocks noGrp="1"/>
+          </p:cNvSpPr>
+          <p:nvPr>
+            <p:ph type="hdr" sz="quarter"/>
+          </p:nvPr>
+        </p:nvSpPr>
+        <p:spPr>
+          <a:xfrm>
+            <a:off x="0" y="0"/>
+            <a:ext cx="2971800" cy="458788"/>
+          </a:xfrm>
+          <a:prstGeom prst="rect">
+            <a:avLst/>
+          </a:prstGeom>
+        </p:spPr>
+        <p:txBody>
+          <a:bodyPr vert="horz" lIns="91440" tIns="45720" rIns="91440" bIns="45720" rtlCol="0"/>
+          <a:lstStyle>
+            <a:lvl1pPr algn="l">
+              <a:defRPr sz="1200"/>
+            </a:lvl1pPr>
+          </a:lstStyle>
+          <a:p>
+            <a:endParaRPr lang="en-US"/>
+          </a:p>
+        </p:txBody>
+      </p:sp>
+      <p:sp>
+        <p:nvSpPr>
+          <p:cNvPr id="3" name="Date Placeholder 2"/>
+          <p:cNvSpPr>
+            <a:spLocks noGrp="1"/>
+          </p:cNvSpPr>
+          <p:nvPr>
+            <p:ph type="dt" idx="1"/>
+          </p:nvPr>
+        </p:nvSpPr>
+        <p:spPr>
+          <a:xfrm>
+            <a:off x="3884613" y="0"/>
+            <a:ext cx="2971800" cy="458788"/>
+          </a:xfrm>
+          <a:prstGeom prst="rect">
+            <a:avLst/>
+          </a:prstGeom>
+        </p:spPr>
+        <p:txBody>
+          <a:bodyPr vert="horz" lIns="91440" tIns="45720" rIns="91440" bIns="45720" rtlCol="0"/>
+          <a:lstStyle>
+            <a:lvl1pPr algn="r">
+              <a:defRPr sz="1200"/>
+            </a:lvl1pPr>
+          </a:lstStyle>
+          <a:p>
+            <a:fld id="{DFD0684F-30B8-4E3A-89E2-746A8B4484A6}" type="datetimeFigureOut">
+              <a:rPr lang="en-US" smtClean="0"/>
+              <a:t>6/25/2019</a:t>
+            </a:fld>
+            <a:endParaRPr lang="en-US"/>
+          </a:p>
+        </p:txBody>
+      </p:sp>
+      <p:sp>
+        <p:nvSpPr>
+          <p:cNvPr id="4" name="Slide Image Placeholder 3"/>
+          <p:cNvSpPr>
+            <a:spLocks noGrp="1" noRot="1" noChangeAspect="1"/>
+          </p:cNvSpPr>
+          <p:nvPr>
+            <p:ph type="sldImg" idx="2"/>
+          </p:nvPr>
+        </p:nvSpPr>
+        <p:spPr>
+          <a:xfrm>
+            <a:off x="1371600" y="1143000"/>
+            <a:ext cx="4114800" cy="3086100"/>
+          </a:xfrm>
+          <a:prstGeom prst="rect">
+            <a:avLst/>
+          </a:prstGeom>
+          <a:noFill/>
+          <a:ln w="12700">
+            <a:solidFill>
+              <a:prstClr val="black"/>
+            </a:solidFill>
+          </a:ln>
+        </p:spPr>
+        <p:txBody>
+          <a:bodyPr vert="horz" lIns="91440" tIns="45720" rIns="91440" bIns="45720" rtlCol="0" anchor="ctr"/>
+          <a:lstStyle/>
+          <a:p>
+            <a:endParaRPr lang="en-US"/>
+          </a:p>
+        </p:txBody>
+      </p:sp>
+      <p:sp>
+        <p:nvSpPr>
+          <p:cNvPr id="5" name="Notes Placeholder 4"/>
+          <p:cNvSpPr>
+            <a:spLocks noGrp="1"/>
+          </p:cNvSpPr>
+          <p:nvPr>
+            <p:ph type="body" sz="quarter" idx="3"/>
+          </p:nvPr>
+        </p:nvSpPr>
+        <p:spPr>
+          <a:xfrm>
+            <a:off x="685800" y="4400550"/>
+            <a:ext cx="5486400" cy="3600450"/>
+          </a:xfrm>
+          <a:prstGeom prst="rect">
+            <a:avLst/>
+          </a:prstGeom>
+        </p:spPr>
+        <p:txBody>
+          <a:bodyPr vert="horz" lIns="91440" tIns="45720" rIns="91440" bIns="45720" rtlCol="0"/>
+          <a:lstStyle/>
+          <a:p>
+            <a:pPr lvl="0"/>
+            <a:r>
+              <a:rPr lang="en-US"/>
+              <a:t>Edit Master text styles</a:t>
+            </a:r>
+          </a:p>
+          <a:p>
+            <a:pPr lvl="1"/>
+            <a:r>
+              <a:rPr lang="en-US"/>
+              <a:t>Second level</a:t>
+            </a:r>
+          </a:p>
+          <a:p>
+            <a:pPr lvl="2"/>
+            <a:r>
+              <a:rPr lang="en-US"/>
+              <a:t>Third level</a:t>
+            </a:r>
+          </a:p>
+          <a:p>
+            <a:pPr lvl="3"/>
+            <a:r>
+              <a:rPr lang="en-US"/>
+              <a:t>Fourth level</a:t>
+            </a:r>
+          </a:p>
+          <a:p>
+            <a:pPr lvl="4"/>
+            <a:r>
+              <a:rPr lang="en-US"/>
+              <a:t>Fifth level</a:t>
+            </a:r>
+          </a:p>
+        </p:txBody>
+      </p:sp>
+      <p:sp>
+        <p:nvSpPr>
+          <p:cNvPr id="6" name="Footer Placeholder 5"/>
+          <p:cNvSpPr>
+            <a:spLocks noGrp="1"/>
+          </p:cNvSpPr>
+          <p:nvPr>
+            <p:ph type="ftr" sz="quarter" idx="4"/>
+          </p:nvPr>
+        </p:nvSpPr>
+        <p:spPr>
+          <a:xfrm>
+            <a:off x="0" y="8685213"/>
+            <a:ext cx="2971800" cy="458787"/>
+          </a:xfrm>
+          <a:prstGeom prst="rect">
+            <a:avLst/>
+          </a:prstGeom>
+        </p:spPr>
+        <p:txBody>
+          <a:bodyPr vert="horz" lIns="91440" tIns="45720" rIns="91440" bIns="45720" rtlCol="0" anchor="b"/>
+          <a:lstStyle>
+            <a:lvl1pPr algn="l">
+              <a:defRPr sz="1200"/>
+            </a:lvl1pPr>
+          </a:lstStyle>
+          <a:p>
+            <a:endParaRPr lang="en-US"/>
+          </a:p>
+        </p:txBody>
+      </p:sp>
+      <p:sp>
+        <p:nvSpPr>
+          <p:cNvPr id="7" name="Slide Number Placeholder 6"/>
+          <p:cNvSpPr>
+            <a:spLocks noGrp="1"/>
+          </p:cNvSpPr>
+          <p:nvPr>
+            <p:ph type="sldNum" sz="quarter" idx="5"/>
+          </p:nvPr>
+        </p:nvSpPr>
+        <p:spPr>
+          <a:xfrm>
+            <a:off x="3884613" y="8685213"/>
+            <a:ext cx="2971800" cy="458787"/>
+          </a:xfrm>
+          <a:prstGeom prst="rect">
+            <a:avLst/>
+          </a:prstGeom>
+        </p:spPr>
+        <p:txBody>
+          <a:bodyPr vert="horz" lIns="91440" tIns="45720" rIns="91440" bIns="45720" rtlCol="0" anchor="b"/>
+          <a:lstStyle>
+            <a:lvl1pPr algn="r">
+              <a:defRPr sz="1200"/>
+            </a:lvl1pPr>
+          </a:lstStyle>
+          <a:p>
+            <a:fld id="{8943E890-603A-4724-B11A-451EC4D3D23D}" type="slidenum">
+              <a:rPr lang="en-US" smtClean="0"/>
+              <a:t>‹#›</a:t>
+            </a:fld>
+            <a:endParaRPr lang="en-US"/>
+          </a:p>
+        </p:txBody>
+      </p:sp>
+    </p:spTree>
+    <p:extLst>
+      <p:ext uri="{BB962C8B-B14F-4D97-AF65-F5344CB8AC3E}">
+        <p14:creationId xmlns:p14="http://schemas.microsoft.com/office/powerpoint/2010/main" val="2873645794"/>
+      </p:ext>
+    </p:extLst>
+  </p:cSld>
+  <p:clrMap bg1="lt1" tx1="dk1" bg2="lt2" tx2="dk2" accent1="accent1" accent2="accent2" accent3="accent3" accent4="accent4" accent5="accent5" accent6="accent6" hlink="hlink" folHlink="folHlink"/>
+  <p:notesStyle>
+    <a:lvl1pPr marL="0" algn="l" defTabSz="914400" rtl="0" eaLnBrk="1" latinLnBrk="0" hangingPunct="1">
+      <a:defRPr sz="1200" kern="1200">
+        <a:solidFill>
+          <a:schemeClr val="tx1"/>
+        </a:solidFill>
+        <a:latin typeface="+mn-lt"/>
+        <a:ea typeface="+mn-ea"/>
+        <a:cs typeface="+mn-cs"/>
+      </a:defRPr>
+    </a:lvl1pPr>
+    <a:lvl2pPr marL="457200" algn="l" defTabSz="914400" rtl="0" eaLnBrk="1" latinLnBrk="0" hangingPunct="1">
+      <a:defRPr sz="1200" kern="1200">
+        <a:solidFill>
+          <a:schemeClr val="tx1"/>
+        </a:solidFill>
+        <a:latin typeface="+mn-lt"/>
+        <a:ea typeface="+mn-ea"/>
+        <a:cs typeface="+mn-cs"/>
+      </a:defRPr>
+    </a:lvl2pPr>
+    <a:lvl3pPr marL="914400" algn="l" defTabSz="914400" rtl="0" eaLnBrk="1" latinLnBrk="0" hangingPunct="1">
+      <a:defRPr sz="1200" kern="1200">
+        <a:solidFill>
+          <a:schemeClr val="tx1"/>
+        </a:solidFill>
+        <a:latin typeface="+mn-lt"/>
+        <a:ea typeface="+mn-ea"/>
+        <a:cs typeface="+mn-cs"/>
+      </a:defRPr>
+    </a:lvl3pPr>
+    <a:lvl4pPr marL="1371600" algn="l" defTabSz="914400" rtl="0" eaLnBrk="1" latinLnBrk="0" hangingPunct="1">
+      <a:defRPr sz="1200" kern="1200">
+        <a:solidFill>
+          <a:schemeClr val="tx1"/>
+        </a:solidFill>
+        <a:latin typeface="+mn-lt"/>
+        <a:ea typeface="+mn-ea"/>
+        <a:cs typeface="+mn-cs"/>
+      </a:defRPr>
+    </a:lvl4pPr>
+    <a:lvl5pPr marL="1828800" algn="l" defTabSz="914400" rtl="0" eaLnBrk="1" latinLnBrk="0" hangingPunct="1">
+      <a:defRPr sz="1200" kern="1200">
+        <a:solidFill>
+          <a:schemeClr val="tx1"/>
+        </a:solidFill>
+        <a:latin typeface="+mn-lt"/>
+        <a:ea typeface="+mn-ea"/>
+        <a:cs typeface="+mn-cs"/>
+      </a:defRPr>
+    </a:lvl5pPr>
+    <a:lvl6pPr marL="2286000" algn="l" defTabSz="914400" rtl="0" eaLnBrk="1" latinLnBrk="0" hangingPunct="1">
+      <a:defRPr sz="1200" kern="1200">
+        <a:solidFill>
+          <a:schemeClr val="tx1"/>
+        </a:solidFill>
+        <a:latin typeface="+mn-lt"/>
+        <a:ea typeface="+mn-ea"/>
+        <a:cs typeface="+mn-cs"/>
+      </a:defRPr>
+    </a:lvl6pPr>
+    <a:lvl7pPr marL="2743200" algn="l" defTabSz="914400" rtl="0" eaLnBrk="1" latinLnBrk="0" hangingPunct="1">
+      <a:defRPr sz="1200" kern="1200">
+        <a:solidFill>
+          <a:schemeClr val="tx1"/>
+        </a:solidFill>
+        <a:latin typeface="+mn-lt"/>
+        <a:ea typeface="+mn-ea"/>
+        <a:cs typeface="+mn-cs"/>
+      </a:defRPr>
+    </a:lvl7pPr>
+    <a:lvl8pPr marL="3200400" algn="l" defTabSz="914400" rtl="0" eaLnBrk="1" latinLnBrk="0" hangingPunct="1">
+      <a:defRPr sz="1200" kern="1200">
+        <a:solidFill>
+          <a:schemeClr val="tx1"/>
+        </a:solidFill>
+        <a:latin typeface="+mn-lt"/>
+        <a:ea typeface="+mn-ea"/>
+        <a:cs typeface="+mn-cs"/>
+      </a:defRPr>
+    </a:lvl8pPr>
+    <a:lvl9pPr marL="3657600" algn="l" defTabSz="914400" rtl="0" eaLnBrk="1" latinLnBrk="0" hangingPunct="1">
+      <a:defRPr sz="1200" kern="1200">
+        <a:solidFill>
+          <a:schemeClr val="tx1"/>
+        </a:solidFill>
+        <a:latin typeface="+mn-lt"/>
+        <a:ea typeface="+mn-ea"/>
+        <a:cs typeface="+mn-cs"/>
+      </a:defRPr>
+    </a:lvl9pPr>
+  </p:notesStyle>
+</p:notesMaster>
+</file>
+
+<file path=ppt/notesSlides/notesSlide1.xml><?xml version="1.0" encoding="utf-8"?>
+<p:notes xmlns:a="http://schemas.openxmlformats.org/drawingml/2006/main" xmlns:r="http://schemas.openxmlformats.org/officeDocument/2006/relationships" xmlns:p="http://schemas.openxmlformats.org/presentationml/2006/main">
+  <p:cSld>
+    <p:spTree>
+      <p:nvGrpSpPr>
+        <p:cNvPr id="1" name=""/>
+        <p:cNvGrpSpPr/>
+        <p:nvPr/>
+      </p:nvGrpSpPr>
+      <p:grpSpPr>
+        <a:xfrm>
+          <a:off x="0" y="0"/>
+          <a:ext cx="0" cy="0"/>
+          <a:chOff x="0" y="0"/>
+          <a:chExt cx="0" cy="0"/>
+        </a:xfrm>
+      </p:grpSpPr>
+      <p:sp>
+        <p:nvSpPr>
+          <p:cNvPr id="2" name="Slide Image Placeholder 1"/>
+          <p:cNvSpPr>
+            <a:spLocks noGrp="1" noRot="1" noChangeAspect="1"/>
+          </p:cNvSpPr>
+          <p:nvPr>
+            <p:ph type="sldImg"/>
+          </p:nvPr>
+        </p:nvSpPr>
+        <p:spPr>
+          <a:xfrm>
+            <a:off x="1371600" y="1143000"/>
+            <a:ext cx="4114800" cy="3086100"/>
+          </a:xfrm>
+        </p:spPr>
+      </p:sp>
+      <p:sp>
+        <p:nvSpPr>
+          <p:cNvPr id="3" name="Notes Placeholder 2"/>
+          <p:cNvSpPr>
+            <a:spLocks noGrp="1"/>
+          </p:cNvSpPr>
+          <p:nvPr>
+            <p:ph type="body" idx="1"/>
+          </p:nvPr>
+        </p:nvSpPr>
+        <p:spPr/>
+        <p:txBody>
+          <a:bodyPr/>
+          <a:lstStyle/>
+          <a:p>
+            <a:endParaRPr lang="en-US" dirty="0"/>
+          </a:p>
+        </p:txBody>
+      </p:sp>
+      <p:sp>
+        <p:nvSpPr>
+          <p:cNvPr id="4" name="Slide Number Placeholder 3"/>
+          <p:cNvSpPr>
+            <a:spLocks noGrp="1"/>
+          </p:cNvSpPr>
+          <p:nvPr>
+            <p:ph type="sldNum" sz="quarter" idx="5"/>
+          </p:nvPr>
+        </p:nvSpPr>
+        <p:spPr/>
+        <p:txBody>
+          <a:bodyPr/>
+          <a:lstStyle/>
+          <a:p>
+            <a:fld id="{8943E890-603A-4724-B11A-451EC4D3D23D}" type="slidenum">
+              <a:rPr lang="en-US" smtClean="0"/>
+              <a:t>4</a:t>
+            </a:fld>
+            <a:endParaRPr lang="en-US"/>
+          </a:p>
+        </p:txBody>
+      </p:sp>
+    </p:spTree>
+    <p:extLst>
+      <p:ext uri="{BB962C8B-B14F-4D97-AF65-F5344CB8AC3E}">
+        <p14:creationId xmlns:p14="http://schemas.microsoft.com/office/powerpoint/2010/main" val="869075287"/>
+      </p:ext>
+    </p:extLst>
+  </p:cSld>
+  <p:clrMapOvr>
+    <a:masterClrMapping/>
+  </p:clrMapOvr>
+</p:notes>
 </file>
 
 <file path=ppt/slideLayouts/slideLayout1.xml><?xml version="1.0" encoding="utf-8"?>
@@ -126,13 +576,7 @@
       </p:grpSpPr>
       <p:sp>
         <p:nvSpPr>
-          <p:cNvPr id="2" name="Title 1">
-            <a:extLst>
-              <a:ext uri="{FF2B5EF4-FFF2-40B4-BE49-F238E27FC236}">
-                <a16:creationId xmlns:a16="http://schemas.microsoft.com/office/drawing/2014/main" id="{3FB46E09-C213-41BA-9D22-E2D64A0A51E1}"/>
-              </a:ext>
-            </a:extLst>
-          </p:cNvPr>
+          <p:cNvPr id="2" name="Title 1"/>
           <p:cNvSpPr>
             <a:spLocks noGrp="1"/>
           </p:cNvSpPr>
@@ -142,8 +586,8 @@
         </p:nvSpPr>
         <p:spPr>
           <a:xfrm>
-            <a:off x="1524000" y="1122363"/>
-            <a:ext cx="9144000" cy="2387600"/>
+            <a:off x="685800" y="1122363"/>
+            <a:ext cx="7772400" cy="2387600"/>
           </a:xfrm>
         </p:spPr>
         <p:txBody>
@@ -158,18 +602,13 @@
               <a:rPr lang="en-US"/>
               <a:t>Click to edit Master title style</a:t>
             </a:r>
-          </a:p>
-        </p:txBody>
-      </p:sp>
-      <p:sp>
-        <p:nvSpPr>
-          <p:cNvPr id="3" name="Subtitle 2">
-            <a:extLst>
-              <a:ext uri="{FF2B5EF4-FFF2-40B4-BE49-F238E27FC236}">
-                <a16:creationId xmlns:a16="http://schemas.microsoft.com/office/drawing/2014/main" id="{0906376B-0470-47FB-8916-FD6739B07D3E}"/>
-              </a:ext>
-            </a:extLst>
-          </p:cNvPr>
+            <a:endParaRPr lang="en-US" dirty="0"/>
+          </a:p>
+        </p:txBody>
+      </p:sp>
+      <p:sp>
+        <p:nvSpPr>
+          <p:cNvPr id="3" name="Subtitle 2"/>
           <p:cNvSpPr>
             <a:spLocks noGrp="1"/>
           </p:cNvSpPr>
@@ -179,8 +618,8 @@
         </p:nvSpPr>
         <p:spPr>
           <a:xfrm>
-            <a:off x="1524000" y="3602038"/>
-            <a:ext cx="9144000" cy="1655762"/>
+            <a:off x="1143000" y="3602038"/>
+            <a:ext cx="6858000" cy="1655762"/>
           </a:xfrm>
         </p:spPr>
         <p:txBody>
@@ -228,18 +667,13 @@
               <a:rPr lang="en-US"/>
               <a:t>Click to edit Master subtitle style</a:t>
             </a:r>
-          </a:p>
-        </p:txBody>
-      </p:sp>
-      <p:sp>
-        <p:nvSpPr>
-          <p:cNvPr id="4" name="Date Placeholder 3">
-            <a:extLst>
-              <a:ext uri="{FF2B5EF4-FFF2-40B4-BE49-F238E27FC236}">
-                <a16:creationId xmlns:a16="http://schemas.microsoft.com/office/drawing/2014/main" id="{EFEB8914-1519-415D-BDB4-259C118177A5}"/>
-              </a:ext>
-            </a:extLst>
-          </p:cNvPr>
+            <a:endParaRPr lang="en-US" dirty="0"/>
+          </a:p>
+        </p:txBody>
+      </p:sp>
+      <p:sp>
+        <p:nvSpPr>
+          <p:cNvPr id="4" name="Date Placeholder 3"/>
           <p:cNvSpPr>
             <a:spLocks noGrp="1"/>
           </p:cNvSpPr>
@@ -254,7 +688,7 @@
           <a:p>
             <a:fld id="{41B108F7-6354-44F0-A393-7DEBEC2C7C32}" type="datetimeFigureOut">
               <a:rPr lang="en-US" smtClean="0"/>
-              <a:t>6/24/2019</a:t>
+              <a:t>6/25/2019</a:t>
             </a:fld>
             <a:endParaRPr lang="en-US"/>
           </a:p>
@@ -262,13 +696,7 @@
       </p:sp>
       <p:sp>
         <p:nvSpPr>
-          <p:cNvPr id="5" name="Footer Placeholder 4">
-            <a:extLst>
-              <a:ext uri="{FF2B5EF4-FFF2-40B4-BE49-F238E27FC236}">
-                <a16:creationId xmlns:a16="http://schemas.microsoft.com/office/drawing/2014/main" id="{058C47CE-6E30-4AF5-98EC-20A2A47D5583}"/>
-              </a:ext>
-            </a:extLst>
-          </p:cNvPr>
+          <p:cNvPr id="5" name="Footer Placeholder 4"/>
           <p:cNvSpPr>
             <a:spLocks noGrp="1"/>
           </p:cNvSpPr>
@@ -287,13 +715,7 @@
       </p:sp>
       <p:sp>
         <p:nvSpPr>
-          <p:cNvPr id="6" name="Slide Number Placeholder 5">
-            <a:extLst>
-              <a:ext uri="{FF2B5EF4-FFF2-40B4-BE49-F238E27FC236}">
-                <a16:creationId xmlns:a16="http://schemas.microsoft.com/office/drawing/2014/main" id="{1BA8EEF4-12C7-4C73-9405-20EC1237036E}"/>
-              </a:ext>
-            </a:extLst>
-          </p:cNvPr>
+          <p:cNvPr id="6" name="Slide Number Placeholder 5"/>
           <p:cNvSpPr>
             <a:spLocks noGrp="1"/>
           </p:cNvSpPr>
@@ -317,7 +739,7 @@
     </p:spTree>
     <p:extLst>
       <p:ext uri="{BB962C8B-B14F-4D97-AF65-F5344CB8AC3E}">
-        <p14:creationId xmlns:p14="http://schemas.microsoft.com/office/powerpoint/2010/main" val="3343201510"/>
+        <p14:creationId xmlns:p14="http://schemas.microsoft.com/office/powerpoint/2010/main" val="179007328"/>
       </p:ext>
     </p:extLst>
   </p:cSld>
@@ -346,13 +768,7 @@
       </p:grpSpPr>
       <p:sp>
         <p:nvSpPr>
-          <p:cNvPr id="2" name="Title 1">
-            <a:extLst>
-              <a:ext uri="{FF2B5EF4-FFF2-40B4-BE49-F238E27FC236}">
-                <a16:creationId xmlns:a16="http://schemas.microsoft.com/office/drawing/2014/main" id="{300F7F94-09D2-41FE-9792-71ADFD78D8E2}"/>
-              </a:ext>
-            </a:extLst>
-          </p:cNvPr>
+          <p:cNvPr id="2" name="Title 1"/>
           <p:cNvSpPr>
             <a:spLocks noGrp="1"/>
           </p:cNvSpPr>
@@ -369,18 +785,13 @@
               <a:rPr lang="en-US"/>
               <a:t>Click to edit Master title style</a:t>
             </a:r>
-          </a:p>
-        </p:txBody>
-      </p:sp>
-      <p:sp>
-        <p:nvSpPr>
-          <p:cNvPr id="3" name="Vertical Text Placeholder 2">
-            <a:extLst>
-              <a:ext uri="{FF2B5EF4-FFF2-40B4-BE49-F238E27FC236}">
-                <a16:creationId xmlns:a16="http://schemas.microsoft.com/office/drawing/2014/main" id="{D978FE38-0BB5-4D13-BADC-31C4FCE7D784}"/>
-              </a:ext>
-            </a:extLst>
-          </p:cNvPr>
+            <a:endParaRPr lang="en-US" dirty="0"/>
+          </a:p>
+        </p:txBody>
+      </p:sp>
+      <p:sp>
+        <p:nvSpPr>
+          <p:cNvPr id="3" name="Vertical Text Placeholder 2"/>
           <p:cNvSpPr>
             <a:spLocks noGrp="1"/>
           </p:cNvSpPr>
@@ -426,18 +837,13 @@
               <a:rPr lang="en-US"/>
               <a:t>Fifth level</a:t>
             </a:r>
-          </a:p>
-        </p:txBody>
-      </p:sp>
-      <p:sp>
-        <p:nvSpPr>
-          <p:cNvPr id="4" name="Date Placeholder 3">
-            <a:extLst>
-              <a:ext uri="{FF2B5EF4-FFF2-40B4-BE49-F238E27FC236}">
-                <a16:creationId xmlns:a16="http://schemas.microsoft.com/office/drawing/2014/main" id="{CF4CD93C-A4AF-44CF-8A73-C1C9C2F9358E}"/>
-              </a:ext>
-            </a:extLst>
-          </p:cNvPr>
+            <a:endParaRPr lang="en-US" dirty="0"/>
+          </a:p>
+        </p:txBody>
+      </p:sp>
+      <p:sp>
+        <p:nvSpPr>
+          <p:cNvPr id="4" name="Date Placeholder 3"/>
           <p:cNvSpPr>
             <a:spLocks noGrp="1"/>
           </p:cNvSpPr>
@@ -452,7 +858,7 @@
           <a:p>
             <a:fld id="{41B108F7-6354-44F0-A393-7DEBEC2C7C32}" type="datetimeFigureOut">
               <a:rPr lang="en-US" smtClean="0"/>
-              <a:t>6/24/2019</a:t>
+              <a:t>6/25/2019</a:t>
             </a:fld>
             <a:endParaRPr lang="en-US"/>
           </a:p>
@@ -460,13 +866,7 @@
       </p:sp>
       <p:sp>
         <p:nvSpPr>
-          <p:cNvPr id="5" name="Footer Placeholder 4">
-            <a:extLst>
-              <a:ext uri="{FF2B5EF4-FFF2-40B4-BE49-F238E27FC236}">
-                <a16:creationId xmlns:a16="http://schemas.microsoft.com/office/drawing/2014/main" id="{74BA1F3C-4F84-4F45-8B91-FCBA7704DDBE}"/>
-              </a:ext>
-            </a:extLst>
-          </p:cNvPr>
+          <p:cNvPr id="5" name="Footer Placeholder 4"/>
           <p:cNvSpPr>
             <a:spLocks noGrp="1"/>
           </p:cNvSpPr>
@@ -485,13 +885,7 @@
       </p:sp>
       <p:sp>
         <p:nvSpPr>
-          <p:cNvPr id="6" name="Slide Number Placeholder 5">
-            <a:extLst>
-              <a:ext uri="{FF2B5EF4-FFF2-40B4-BE49-F238E27FC236}">
-                <a16:creationId xmlns:a16="http://schemas.microsoft.com/office/drawing/2014/main" id="{25B1924E-8DC2-4E9F-9227-001ECAF3D36A}"/>
-              </a:ext>
-            </a:extLst>
-          </p:cNvPr>
+          <p:cNvPr id="6" name="Slide Number Placeholder 5"/>
           <p:cNvSpPr>
             <a:spLocks noGrp="1"/>
           </p:cNvSpPr>
@@ -515,7 +909,7 @@
     </p:spTree>
     <p:extLst>
       <p:ext uri="{BB962C8B-B14F-4D97-AF65-F5344CB8AC3E}">
-        <p14:creationId xmlns:p14="http://schemas.microsoft.com/office/powerpoint/2010/main" val="2600086883"/>
+        <p14:creationId xmlns:p14="http://schemas.microsoft.com/office/powerpoint/2010/main" val="3691567169"/>
       </p:ext>
     </p:extLst>
   </p:cSld>
@@ -544,13 +938,7 @@
       </p:grpSpPr>
       <p:sp>
         <p:nvSpPr>
-          <p:cNvPr id="2" name="Vertical Title 1">
-            <a:extLst>
-              <a:ext uri="{FF2B5EF4-FFF2-40B4-BE49-F238E27FC236}">
-                <a16:creationId xmlns:a16="http://schemas.microsoft.com/office/drawing/2014/main" id="{0FE9FCF1-27DD-4FF7-9497-6BF3F1F4992F}"/>
-              </a:ext>
-            </a:extLst>
-          </p:cNvPr>
+          <p:cNvPr id="2" name="Vertical Title 1"/>
           <p:cNvSpPr>
             <a:spLocks noGrp="1"/>
           </p:cNvSpPr>
@@ -560,8 +948,8 @@
         </p:nvSpPr>
         <p:spPr>
           <a:xfrm>
-            <a:off x="8724900" y="365125"/>
-            <a:ext cx="2628900" cy="5811838"/>
+            <a:off x="6543675" y="365125"/>
+            <a:ext cx="1971675" cy="5811838"/>
           </a:xfrm>
         </p:spPr>
         <p:txBody>
@@ -572,18 +960,13 @@
               <a:rPr lang="en-US"/>
               <a:t>Click to edit Master title style</a:t>
             </a:r>
-          </a:p>
-        </p:txBody>
-      </p:sp>
-      <p:sp>
-        <p:nvSpPr>
-          <p:cNvPr id="3" name="Vertical Text Placeholder 2">
-            <a:extLst>
-              <a:ext uri="{FF2B5EF4-FFF2-40B4-BE49-F238E27FC236}">
-                <a16:creationId xmlns:a16="http://schemas.microsoft.com/office/drawing/2014/main" id="{F57E757E-26A1-4D9D-877B-7B5A54C57211}"/>
-              </a:ext>
-            </a:extLst>
-          </p:cNvPr>
+            <a:endParaRPr lang="en-US" dirty="0"/>
+          </a:p>
+        </p:txBody>
+      </p:sp>
+      <p:sp>
+        <p:nvSpPr>
+          <p:cNvPr id="3" name="Vertical Text Placeholder 2"/>
           <p:cNvSpPr>
             <a:spLocks noGrp="1"/>
           </p:cNvSpPr>
@@ -593,8 +976,8 @@
         </p:nvSpPr>
         <p:spPr>
           <a:xfrm>
-            <a:off x="838200" y="365125"/>
-            <a:ext cx="7734300" cy="5811838"/>
+            <a:off x="628650" y="365125"/>
+            <a:ext cx="5800725" cy="5811838"/>
           </a:xfrm>
         </p:spPr>
         <p:txBody>
@@ -634,18 +1017,13 @@
               <a:rPr lang="en-US"/>
               <a:t>Fifth level</a:t>
             </a:r>
-          </a:p>
-        </p:txBody>
-      </p:sp>
-      <p:sp>
-        <p:nvSpPr>
-          <p:cNvPr id="4" name="Date Placeholder 3">
-            <a:extLst>
-              <a:ext uri="{FF2B5EF4-FFF2-40B4-BE49-F238E27FC236}">
-                <a16:creationId xmlns:a16="http://schemas.microsoft.com/office/drawing/2014/main" id="{0EB3C8C6-8218-4E4B-9A7B-3D917BC33863}"/>
-              </a:ext>
-            </a:extLst>
-          </p:cNvPr>
+            <a:endParaRPr lang="en-US" dirty="0"/>
+          </a:p>
+        </p:txBody>
+      </p:sp>
+      <p:sp>
+        <p:nvSpPr>
+          <p:cNvPr id="4" name="Date Placeholder 3"/>
           <p:cNvSpPr>
             <a:spLocks noGrp="1"/>
           </p:cNvSpPr>
@@ -660,7 +1038,7 @@
           <a:p>
             <a:fld id="{41B108F7-6354-44F0-A393-7DEBEC2C7C32}" type="datetimeFigureOut">
               <a:rPr lang="en-US" smtClean="0"/>
-              <a:t>6/24/2019</a:t>
+              <a:t>6/25/2019</a:t>
             </a:fld>
             <a:endParaRPr lang="en-US"/>
           </a:p>
@@ -668,13 +1046,7 @@
       </p:sp>
       <p:sp>
         <p:nvSpPr>
-          <p:cNvPr id="5" name="Footer Placeholder 4">
-            <a:extLst>
-              <a:ext uri="{FF2B5EF4-FFF2-40B4-BE49-F238E27FC236}">
-                <a16:creationId xmlns:a16="http://schemas.microsoft.com/office/drawing/2014/main" id="{06CC9AAF-2A6E-46D3-9AC7-A5D31FC65090}"/>
-              </a:ext>
-            </a:extLst>
-          </p:cNvPr>
+          <p:cNvPr id="5" name="Footer Placeholder 4"/>
           <p:cNvSpPr>
             <a:spLocks noGrp="1"/>
           </p:cNvSpPr>
@@ -693,13 +1065,7 @@
       </p:sp>
       <p:sp>
         <p:nvSpPr>
-          <p:cNvPr id="6" name="Slide Number Placeholder 5">
-            <a:extLst>
-              <a:ext uri="{FF2B5EF4-FFF2-40B4-BE49-F238E27FC236}">
-                <a16:creationId xmlns:a16="http://schemas.microsoft.com/office/drawing/2014/main" id="{5F7B7C4B-9C4D-44D3-A20C-CAEE3376A76F}"/>
-              </a:ext>
-            </a:extLst>
-          </p:cNvPr>
+          <p:cNvPr id="6" name="Slide Number Placeholder 5"/>
           <p:cNvSpPr>
             <a:spLocks noGrp="1"/>
           </p:cNvSpPr>
@@ -723,7 +1089,7 @@
     </p:spTree>
     <p:extLst>
       <p:ext uri="{BB962C8B-B14F-4D97-AF65-F5344CB8AC3E}">
-        <p14:creationId xmlns:p14="http://schemas.microsoft.com/office/powerpoint/2010/main" val="857469690"/>
+        <p14:creationId xmlns:p14="http://schemas.microsoft.com/office/powerpoint/2010/main" val="1555828556"/>
       </p:ext>
     </p:extLst>
   </p:cSld>
@@ -752,13 +1118,7 @@
       </p:grpSpPr>
       <p:sp>
         <p:nvSpPr>
-          <p:cNvPr id="2" name="Title 1">
-            <a:extLst>
-              <a:ext uri="{FF2B5EF4-FFF2-40B4-BE49-F238E27FC236}">
-                <a16:creationId xmlns:a16="http://schemas.microsoft.com/office/drawing/2014/main" id="{A059E305-811B-45CC-912A-9702ECB24390}"/>
-              </a:ext>
-            </a:extLst>
-          </p:cNvPr>
+          <p:cNvPr id="2" name="Title 1"/>
           <p:cNvSpPr>
             <a:spLocks noGrp="1"/>
           </p:cNvSpPr>
@@ -775,18 +1135,13 @@
               <a:rPr lang="en-US"/>
               <a:t>Click to edit Master title style</a:t>
             </a:r>
-          </a:p>
-        </p:txBody>
-      </p:sp>
-      <p:sp>
-        <p:nvSpPr>
-          <p:cNvPr id="3" name="Content Placeholder 2">
-            <a:extLst>
-              <a:ext uri="{FF2B5EF4-FFF2-40B4-BE49-F238E27FC236}">
-                <a16:creationId xmlns:a16="http://schemas.microsoft.com/office/drawing/2014/main" id="{8F5F477A-116C-4215-A5BE-8C8CCCEDA8B9}"/>
-              </a:ext>
-            </a:extLst>
-          </p:cNvPr>
+            <a:endParaRPr lang="en-US" dirty="0"/>
+          </a:p>
+        </p:txBody>
+      </p:sp>
+      <p:sp>
+        <p:nvSpPr>
+          <p:cNvPr id="3" name="Content Placeholder 2"/>
           <p:cNvSpPr>
             <a:spLocks noGrp="1"/>
           </p:cNvSpPr>
@@ -832,18 +1187,13 @@
               <a:rPr lang="en-US"/>
               <a:t>Fifth level</a:t>
             </a:r>
-          </a:p>
-        </p:txBody>
-      </p:sp>
-      <p:sp>
-        <p:nvSpPr>
-          <p:cNvPr id="4" name="Date Placeholder 3">
-            <a:extLst>
-              <a:ext uri="{FF2B5EF4-FFF2-40B4-BE49-F238E27FC236}">
-                <a16:creationId xmlns:a16="http://schemas.microsoft.com/office/drawing/2014/main" id="{D7D5AD51-4D03-4812-AA20-34E7D76C34C7}"/>
-              </a:ext>
-            </a:extLst>
-          </p:cNvPr>
+            <a:endParaRPr lang="en-US" dirty="0"/>
+          </a:p>
+        </p:txBody>
+      </p:sp>
+      <p:sp>
+        <p:nvSpPr>
+          <p:cNvPr id="4" name="Date Placeholder 3"/>
           <p:cNvSpPr>
             <a:spLocks noGrp="1"/>
           </p:cNvSpPr>
@@ -858,7 +1208,7 @@
           <a:p>
             <a:fld id="{41B108F7-6354-44F0-A393-7DEBEC2C7C32}" type="datetimeFigureOut">
               <a:rPr lang="en-US" smtClean="0"/>
-              <a:t>6/24/2019</a:t>
+              <a:t>6/25/2019</a:t>
             </a:fld>
             <a:endParaRPr lang="en-US"/>
           </a:p>
@@ -866,13 +1216,7 @@
       </p:sp>
       <p:sp>
         <p:nvSpPr>
-          <p:cNvPr id="5" name="Footer Placeholder 4">
-            <a:extLst>
-              <a:ext uri="{FF2B5EF4-FFF2-40B4-BE49-F238E27FC236}">
-                <a16:creationId xmlns:a16="http://schemas.microsoft.com/office/drawing/2014/main" id="{729D6C56-CEF5-4CAA-8926-7CF2453F33B3}"/>
-              </a:ext>
-            </a:extLst>
-          </p:cNvPr>
+          <p:cNvPr id="5" name="Footer Placeholder 4"/>
           <p:cNvSpPr>
             <a:spLocks noGrp="1"/>
           </p:cNvSpPr>
@@ -891,13 +1235,7 @@
       </p:sp>
       <p:sp>
         <p:nvSpPr>
-          <p:cNvPr id="6" name="Slide Number Placeholder 5">
-            <a:extLst>
-              <a:ext uri="{FF2B5EF4-FFF2-40B4-BE49-F238E27FC236}">
-                <a16:creationId xmlns:a16="http://schemas.microsoft.com/office/drawing/2014/main" id="{0FDD10A9-D397-4CAA-A348-5B9A26D63A99}"/>
-              </a:ext>
-            </a:extLst>
-          </p:cNvPr>
+          <p:cNvPr id="6" name="Slide Number Placeholder 5"/>
           <p:cNvSpPr>
             <a:spLocks noGrp="1"/>
           </p:cNvSpPr>
@@ -921,7 +1259,7 @@
     </p:spTree>
     <p:extLst>
       <p:ext uri="{BB962C8B-B14F-4D97-AF65-F5344CB8AC3E}">
-        <p14:creationId xmlns:p14="http://schemas.microsoft.com/office/powerpoint/2010/main" val="1284811920"/>
+        <p14:creationId xmlns:p14="http://schemas.microsoft.com/office/powerpoint/2010/main" val="4098537414"/>
       </p:ext>
     </p:extLst>
   </p:cSld>
@@ -950,13 +1288,7 @@
       </p:grpSpPr>
       <p:sp>
         <p:nvSpPr>
-          <p:cNvPr id="2" name="Title 1">
-            <a:extLst>
-              <a:ext uri="{FF2B5EF4-FFF2-40B4-BE49-F238E27FC236}">
-                <a16:creationId xmlns:a16="http://schemas.microsoft.com/office/drawing/2014/main" id="{7F1FB393-F74A-4678-B5D8-387299125EB8}"/>
-              </a:ext>
-            </a:extLst>
-          </p:cNvPr>
+          <p:cNvPr id="2" name="Title 1"/>
           <p:cNvSpPr>
             <a:spLocks noGrp="1"/>
           </p:cNvSpPr>
@@ -966,8 +1298,8 @@
         </p:nvSpPr>
         <p:spPr>
           <a:xfrm>
-            <a:off x="831850" y="1709738"/>
-            <a:ext cx="10515600" cy="2852737"/>
+            <a:off x="623888" y="1709739"/>
+            <a:ext cx="7886700" cy="2852737"/>
           </a:xfrm>
         </p:spPr>
         <p:txBody>
@@ -982,18 +1314,13 @@
               <a:rPr lang="en-US"/>
               <a:t>Click to edit Master title style</a:t>
             </a:r>
-          </a:p>
-        </p:txBody>
-      </p:sp>
-      <p:sp>
-        <p:nvSpPr>
-          <p:cNvPr id="3" name="Text Placeholder 2">
-            <a:extLst>
-              <a:ext uri="{FF2B5EF4-FFF2-40B4-BE49-F238E27FC236}">
-                <a16:creationId xmlns:a16="http://schemas.microsoft.com/office/drawing/2014/main" id="{890351DE-D597-450C-9360-3BBB994C69D1}"/>
-              </a:ext>
-            </a:extLst>
-          </p:cNvPr>
+            <a:endParaRPr lang="en-US" dirty="0"/>
+          </a:p>
+        </p:txBody>
+      </p:sp>
+      <p:sp>
+        <p:nvSpPr>
+          <p:cNvPr id="3" name="Text Placeholder 2"/>
           <p:cNvSpPr>
             <a:spLocks noGrp="1"/>
           </p:cNvSpPr>
@@ -1003,8 +1330,8 @@
         </p:nvSpPr>
         <p:spPr>
           <a:xfrm>
-            <a:off x="831850" y="4589463"/>
-            <a:ext cx="10515600" cy="1500187"/>
+            <a:off x="623888" y="4589464"/>
+            <a:ext cx="7886700" cy="1500187"/>
           </a:xfrm>
         </p:spPr>
         <p:txBody>
@@ -1014,9 +1341,7 @@
               <a:buNone/>
               <a:defRPr sz="2400">
                 <a:solidFill>
-                  <a:schemeClr val="tx1">
-                    <a:tint val="75000"/>
-                  </a:schemeClr>
+                  <a:schemeClr val="tx1"/>
                 </a:solidFill>
               </a:defRPr>
             </a:lvl1pPr>
@@ -1112,13 +1437,7 @@
       </p:sp>
       <p:sp>
         <p:nvSpPr>
-          <p:cNvPr id="4" name="Date Placeholder 3">
-            <a:extLst>
-              <a:ext uri="{FF2B5EF4-FFF2-40B4-BE49-F238E27FC236}">
-                <a16:creationId xmlns:a16="http://schemas.microsoft.com/office/drawing/2014/main" id="{50E7E2E0-F69D-4D05-9181-B2D343C6DD03}"/>
-              </a:ext>
-            </a:extLst>
-          </p:cNvPr>
+          <p:cNvPr id="4" name="Date Placeholder 3"/>
           <p:cNvSpPr>
             <a:spLocks noGrp="1"/>
           </p:cNvSpPr>
@@ -1133,7 +1452,7 @@
           <a:p>
             <a:fld id="{41B108F7-6354-44F0-A393-7DEBEC2C7C32}" type="datetimeFigureOut">
               <a:rPr lang="en-US" smtClean="0"/>
-              <a:t>6/24/2019</a:t>
+              <a:t>6/25/2019</a:t>
             </a:fld>
             <a:endParaRPr lang="en-US"/>
           </a:p>
@@ -1141,13 +1460,7 @@
       </p:sp>
       <p:sp>
         <p:nvSpPr>
-          <p:cNvPr id="5" name="Footer Placeholder 4">
-            <a:extLst>
-              <a:ext uri="{FF2B5EF4-FFF2-40B4-BE49-F238E27FC236}">
-                <a16:creationId xmlns:a16="http://schemas.microsoft.com/office/drawing/2014/main" id="{C6F0C05A-E32F-4045-A1A6-9FF152C09879}"/>
-              </a:ext>
-            </a:extLst>
-          </p:cNvPr>
+          <p:cNvPr id="5" name="Footer Placeholder 4"/>
           <p:cNvSpPr>
             <a:spLocks noGrp="1"/>
           </p:cNvSpPr>
@@ -1166,13 +1479,7 @@
       </p:sp>
       <p:sp>
         <p:nvSpPr>
-          <p:cNvPr id="6" name="Slide Number Placeholder 5">
-            <a:extLst>
-              <a:ext uri="{FF2B5EF4-FFF2-40B4-BE49-F238E27FC236}">
-                <a16:creationId xmlns:a16="http://schemas.microsoft.com/office/drawing/2014/main" id="{DF2FE011-75AB-4483-997A-86435F87FB6D}"/>
-              </a:ext>
-            </a:extLst>
-          </p:cNvPr>
+          <p:cNvPr id="6" name="Slide Number Placeholder 5"/>
           <p:cNvSpPr>
             <a:spLocks noGrp="1"/>
           </p:cNvSpPr>
@@ -1196,7 +1503,7 @@
     </p:spTree>
     <p:extLst>
       <p:ext uri="{BB962C8B-B14F-4D97-AF65-F5344CB8AC3E}">
-        <p14:creationId xmlns:p14="http://schemas.microsoft.com/office/powerpoint/2010/main" val="3618687187"/>
+        <p14:creationId xmlns:p14="http://schemas.microsoft.com/office/powerpoint/2010/main" val="354777706"/>
       </p:ext>
     </p:extLst>
   </p:cSld>
@@ -1225,13 +1532,7 @@
       </p:grpSpPr>
       <p:sp>
         <p:nvSpPr>
-          <p:cNvPr id="2" name="Title 1">
-            <a:extLst>
-              <a:ext uri="{FF2B5EF4-FFF2-40B4-BE49-F238E27FC236}">
-                <a16:creationId xmlns:a16="http://schemas.microsoft.com/office/drawing/2014/main" id="{CBE0C261-3B1C-4913-9555-AEDFB30336D9}"/>
-              </a:ext>
-            </a:extLst>
-          </p:cNvPr>
+          <p:cNvPr id="2" name="Title 1"/>
           <p:cNvSpPr>
             <a:spLocks noGrp="1"/>
           </p:cNvSpPr>
@@ -1248,18 +1549,13 @@
               <a:rPr lang="en-US"/>
               <a:t>Click to edit Master title style</a:t>
             </a:r>
-          </a:p>
-        </p:txBody>
-      </p:sp>
-      <p:sp>
-        <p:nvSpPr>
-          <p:cNvPr id="3" name="Content Placeholder 2">
-            <a:extLst>
-              <a:ext uri="{FF2B5EF4-FFF2-40B4-BE49-F238E27FC236}">
-                <a16:creationId xmlns:a16="http://schemas.microsoft.com/office/drawing/2014/main" id="{7D3E9D82-FED0-425B-879F-096F57DD256C}"/>
-              </a:ext>
-            </a:extLst>
-          </p:cNvPr>
+            <a:endParaRPr lang="en-US" dirty="0"/>
+          </a:p>
+        </p:txBody>
+      </p:sp>
+      <p:sp>
+        <p:nvSpPr>
+          <p:cNvPr id="3" name="Content Placeholder 2"/>
           <p:cNvSpPr>
             <a:spLocks noGrp="1"/>
           </p:cNvSpPr>
@@ -1269,8 +1565,8 @@
         </p:nvSpPr>
         <p:spPr>
           <a:xfrm>
-            <a:off x="838200" y="1825625"/>
-            <a:ext cx="5181600" cy="4351338"/>
+            <a:off x="628650" y="1825625"/>
+            <a:ext cx="3886200" cy="4351338"/>
           </a:xfrm>
         </p:spPr>
         <p:txBody>
@@ -1310,18 +1606,13 @@
               <a:rPr lang="en-US"/>
               <a:t>Fifth level</a:t>
             </a:r>
-          </a:p>
-        </p:txBody>
-      </p:sp>
-      <p:sp>
-        <p:nvSpPr>
-          <p:cNvPr id="4" name="Content Placeholder 3">
-            <a:extLst>
-              <a:ext uri="{FF2B5EF4-FFF2-40B4-BE49-F238E27FC236}">
-                <a16:creationId xmlns:a16="http://schemas.microsoft.com/office/drawing/2014/main" id="{23FC55EC-3CDC-4944-847D-720769296A84}"/>
-              </a:ext>
-            </a:extLst>
-          </p:cNvPr>
+            <a:endParaRPr lang="en-US" dirty="0"/>
+          </a:p>
+        </p:txBody>
+      </p:sp>
+      <p:sp>
+        <p:nvSpPr>
+          <p:cNvPr id="4" name="Content Placeholder 3"/>
           <p:cNvSpPr>
             <a:spLocks noGrp="1"/>
           </p:cNvSpPr>
@@ -1331,8 +1622,8 @@
         </p:nvSpPr>
         <p:spPr>
           <a:xfrm>
-            <a:off x="6172200" y="1825625"/>
-            <a:ext cx="5181600" cy="4351338"/>
+            <a:off x="4629150" y="1825625"/>
+            <a:ext cx="3886200" cy="4351338"/>
           </a:xfrm>
         </p:spPr>
         <p:txBody>
@@ -1372,18 +1663,13 @@
               <a:rPr lang="en-US"/>
               <a:t>Fifth level</a:t>
             </a:r>
-          </a:p>
-        </p:txBody>
-      </p:sp>
-      <p:sp>
-        <p:nvSpPr>
-          <p:cNvPr id="5" name="Date Placeholder 4">
-            <a:extLst>
-              <a:ext uri="{FF2B5EF4-FFF2-40B4-BE49-F238E27FC236}">
-                <a16:creationId xmlns:a16="http://schemas.microsoft.com/office/drawing/2014/main" id="{5BF6CE83-F094-454B-B801-19257071F7BA}"/>
-              </a:ext>
-            </a:extLst>
-          </p:cNvPr>
+            <a:endParaRPr lang="en-US" dirty="0"/>
+          </a:p>
+        </p:txBody>
+      </p:sp>
+      <p:sp>
+        <p:nvSpPr>
+          <p:cNvPr id="5" name="Date Placeholder 4"/>
           <p:cNvSpPr>
             <a:spLocks noGrp="1"/>
           </p:cNvSpPr>
@@ -1398,7 +1684,7 @@
           <a:p>
             <a:fld id="{41B108F7-6354-44F0-A393-7DEBEC2C7C32}" type="datetimeFigureOut">
               <a:rPr lang="en-US" smtClean="0"/>
-              <a:t>6/24/2019</a:t>
+              <a:t>6/25/2019</a:t>
             </a:fld>
             <a:endParaRPr lang="en-US"/>
           </a:p>
@@ -1406,13 +1692,7 @@
       </p:sp>
       <p:sp>
         <p:nvSpPr>
-          <p:cNvPr id="6" name="Footer Placeholder 5">
-            <a:extLst>
-              <a:ext uri="{FF2B5EF4-FFF2-40B4-BE49-F238E27FC236}">
-                <a16:creationId xmlns:a16="http://schemas.microsoft.com/office/drawing/2014/main" id="{549688EB-04B9-452C-AA27-84A24B4ECA2A}"/>
-              </a:ext>
-            </a:extLst>
-          </p:cNvPr>
+          <p:cNvPr id="6" name="Footer Placeholder 5"/>
           <p:cNvSpPr>
             <a:spLocks noGrp="1"/>
           </p:cNvSpPr>
@@ -1431,13 +1711,7 @@
       </p:sp>
       <p:sp>
         <p:nvSpPr>
-          <p:cNvPr id="7" name="Slide Number Placeholder 6">
-            <a:extLst>
-              <a:ext uri="{FF2B5EF4-FFF2-40B4-BE49-F238E27FC236}">
-                <a16:creationId xmlns:a16="http://schemas.microsoft.com/office/drawing/2014/main" id="{FE97A941-9E8B-4DF9-99B0-15ABC2A2EE55}"/>
-              </a:ext>
-            </a:extLst>
-          </p:cNvPr>
+          <p:cNvPr id="7" name="Slide Number Placeholder 6"/>
           <p:cNvSpPr>
             <a:spLocks noGrp="1"/>
           </p:cNvSpPr>
@@ -1461,7 +1735,7 @@
     </p:spTree>
     <p:extLst>
       <p:ext uri="{BB962C8B-B14F-4D97-AF65-F5344CB8AC3E}">
-        <p14:creationId xmlns:p14="http://schemas.microsoft.com/office/powerpoint/2010/main" val="1288332546"/>
+        <p14:creationId xmlns:p14="http://schemas.microsoft.com/office/powerpoint/2010/main" val="2877142097"/>
       </p:ext>
     </p:extLst>
   </p:cSld>
@@ -1490,13 +1764,7 @@
       </p:grpSpPr>
       <p:sp>
         <p:nvSpPr>
-          <p:cNvPr id="2" name="Title 1">
-            <a:extLst>
-              <a:ext uri="{FF2B5EF4-FFF2-40B4-BE49-F238E27FC236}">
-                <a16:creationId xmlns:a16="http://schemas.microsoft.com/office/drawing/2014/main" id="{B39ABDD5-8868-485A-AFDA-F50E5A288FBF}"/>
-              </a:ext>
-            </a:extLst>
-          </p:cNvPr>
+          <p:cNvPr id="2" name="Title 1"/>
           <p:cNvSpPr>
             <a:spLocks noGrp="1"/>
           </p:cNvSpPr>
@@ -1506,8 +1774,8 @@
         </p:nvSpPr>
         <p:spPr>
           <a:xfrm>
-            <a:off x="839788" y="365125"/>
-            <a:ext cx="10515600" cy="1325563"/>
+            <a:off x="629841" y="365126"/>
+            <a:ext cx="7886700" cy="1325563"/>
           </a:xfrm>
         </p:spPr>
         <p:txBody>
@@ -1518,18 +1786,13 @@
               <a:rPr lang="en-US"/>
               <a:t>Click to edit Master title style</a:t>
             </a:r>
-          </a:p>
-        </p:txBody>
-      </p:sp>
-      <p:sp>
-        <p:nvSpPr>
-          <p:cNvPr id="3" name="Text Placeholder 2">
-            <a:extLst>
-              <a:ext uri="{FF2B5EF4-FFF2-40B4-BE49-F238E27FC236}">
-                <a16:creationId xmlns:a16="http://schemas.microsoft.com/office/drawing/2014/main" id="{2B955B85-1206-4D02-89FF-FE2F71F22B1F}"/>
-              </a:ext>
-            </a:extLst>
-          </p:cNvPr>
+            <a:endParaRPr lang="en-US" dirty="0"/>
+          </a:p>
+        </p:txBody>
+      </p:sp>
+      <p:sp>
+        <p:nvSpPr>
+          <p:cNvPr id="3" name="Text Placeholder 2"/>
           <p:cNvSpPr>
             <a:spLocks noGrp="1"/>
           </p:cNvSpPr>
@@ -1539,8 +1802,8 @@
         </p:nvSpPr>
         <p:spPr>
           <a:xfrm>
-            <a:off x="839788" y="1681163"/>
-            <a:ext cx="5157787" cy="823912"/>
+            <a:off x="629842" y="1681163"/>
+            <a:ext cx="3868340" cy="823912"/>
           </a:xfrm>
         </p:spPr>
         <p:txBody>
@@ -1594,13 +1857,7 @@
       </p:sp>
       <p:sp>
         <p:nvSpPr>
-          <p:cNvPr id="4" name="Content Placeholder 3">
-            <a:extLst>
-              <a:ext uri="{FF2B5EF4-FFF2-40B4-BE49-F238E27FC236}">
-                <a16:creationId xmlns:a16="http://schemas.microsoft.com/office/drawing/2014/main" id="{B03927A1-9D3A-43E2-B79C-27F9A7992122}"/>
-              </a:ext>
-            </a:extLst>
-          </p:cNvPr>
+          <p:cNvPr id="4" name="Content Placeholder 3"/>
           <p:cNvSpPr>
             <a:spLocks noGrp="1"/>
           </p:cNvSpPr>
@@ -1610,8 +1867,8 @@
         </p:nvSpPr>
         <p:spPr>
           <a:xfrm>
-            <a:off x="839788" y="2505075"/>
-            <a:ext cx="5157787" cy="3684588"/>
+            <a:off x="629842" y="2505075"/>
+            <a:ext cx="3868340" cy="3684588"/>
           </a:xfrm>
         </p:spPr>
         <p:txBody>
@@ -1651,18 +1908,13 @@
               <a:rPr lang="en-US"/>
               <a:t>Fifth level</a:t>
             </a:r>
-          </a:p>
-        </p:txBody>
-      </p:sp>
-      <p:sp>
-        <p:nvSpPr>
-          <p:cNvPr id="5" name="Text Placeholder 4">
-            <a:extLst>
-              <a:ext uri="{FF2B5EF4-FFF2-40B4-BE49-F238E27FC236}">
-                <a16:creationId xmlns:a16="http://schemas.microsoft.com/office/drawing/2014/main" id="{8045AD98-663D-41F8-B316-027312EDED76}"/>
-              </a:ext>
-            </a:extLst>
-          </p:cNvPr>
+            <a:endParaRPr lang="en-US" dirty="0"/>
+          </a:p>
+        </p:txBody>
+      </p:sp>
+      <p:sp>
+        <p:nvSpPr>
+          <p:cNvPr id="5" name="Text Placeholder 4"/>
           <p:cNvSpPr>
             <a:spLocks noGrp="1"/>
           </p:cNvSpPr>
@@ -1672,8 +1924,8 @@
         </p:nvSpPr>
         <p:spPr>
           <a:xfrm>
-            <a:off x="6172200" y="1681163"/>
-            <a:ext cx="5183188" cy="823912"/>
+            <a:off x="4629150" y="1681163"/>
+            <a:ext cx="3887391" cy="823912"/>
           </a:xfrm>
         </p:spPr>
         <p:txBody>
@@ -1727,13 +1979,7 @@
       </p:sp>
       <p:sp>
         <p:nvSpPr>
-          <p:cNvPr id="6" name="Content Placeholder 5">
-            <a:extLst>
-              <a:ext uri="{FF2B5EF4-FFF2-40B4-BE49-F238E27FC236}">
-                <a16:creationId xmlns:a16="http://schemas.microsoft.com/office/drawing/2014/main" id="{CD6B6AE7-7024-4E03-9A06-44D6DADFCDE1}"/>
-              </a:ext>
-            </a:extLst>
-          </p:cNvPr>
+          <p:cNvPr id="6" name="Content Placeholder 5"/>
           <p:cNvSpPr>
             <a:spLocks noGrp="1"/>
           </p:cNvSpPr>
@@ -1743,8 +1989,8 @@
         </p:nvSpPr>
         <p:spPr>
           <a:xfrm>
-            <a:off x="6172200" y="2505075"/>
-            <a:ext cx="5183188" cy="3684588"/>
+            <a:off x="4629150" y="2505075"/>
+            <a:ext cx="3887391" cy="3684588"/>
           </a:xfrm>
         </p:spPr>
         <p:txBody>
@@ -1784,18 +2030,13 @@
               <a:rPr lang="en-US"/>
               <a:t>Fifth level</a:t>
             </a:r>
-          </a:p>
-        </p:txBody>
-      </p:sp>
-      <p:sp>
-        <p:nvSpPr>
-          <p:cNvPr id="7" name="Date Placeholder 6">
-            <a:extLst>
-              <a:ext uri="{FF2B5EF4-FFF2-40B4-BE49-F238E27FC236}">
-                <a16:creationId xmlns:a16="http://schemas.microsoft.com/office/drawing/2014/main" id="{39E0642B-E632-470E-BAE5-0E29CA08ED9E}"/>
-              </a:ext>
-            </a:extLst>
-          </p:cNvPr>
+            <a:endParaRPr lang="en-US" dirty="0"/>
+          </a:p>
+        </p:txBody>
+      </p:sp>
+      <p:sp>
+        <p:nvSpPr>
+          <p:cNvPr id="7" name="Date Placeholder 6"/>
           <p:cNvSpPr>
             <a:spLocks noGrp="1"/>
           </p:cNvSpPr>
@@ -1810,7 +2051,7 @@
           <a:p>
             <a:fld id="{41B108F7-6354-44F0-A393-7DEBEC2C7C32}" type="datetimeFigureOut">
               <a:rPr lang="en-US" smtClean="0"/>
-              <a:t>6/24/2019</a:t>
+              <a:t>6/25/2019</a:t>
             </a:fld>
             <a:endParaRPr lang="en-US"/>
           </a:p>
@@ -1818,13 +2059,7 @@
       </p:sp>
       <p:sp>
         <p:nvSpPr>
-          <p:cNvPr id="8" name="Footer Placeholder 7">
-            <a:extLst>
-              <a:ext uri="{FF2B5EF4-FFF2-40B4-BE49-F238E27FC236}">
-                <a16:creationId xmlns:a16="http://schemas.microsoft.com/office/drawing/2014/main" id="{D701582B-D14F-4A1F-B5AC-9D775EB2E19C}"/>
-              </a:ext>
-            </a:extLst>
-          </p:cNvPr>
+          <p:cNvPr id="8" name="Footer Placeholder 7"/>
           <p:cNvSpPr>
             <a:spLocks noGrp="1"/>
           </p:cNvSpPr>
@@ -1843,13 +2078,7 @@
       </p:sp>
       <p:sp>
         <p:nvSpPr>
-          <p:cNvPr id="9" name="Slide Number Placeholder 8">
-            <a:extLst>
-              <a:ext uri="{FF2B5EF4-FFF2-40B4-BE49-F238E27FC236}">
-                <a16:creationId xmlns:a16="http://schemas.microsoft.com/office/drawing/2014/main" id="{C64F5B9D-3317-4590-9009-59B959E242A0}"/>
-              </a:ext>
-            </a:extLst>
-          </p:cNvPr>
+          <p:cNvPr id="9" name="Slide Number Placeholder 8"/>
           <p:cNvSpPr>
             <a:spLocks noGrp="1"/>
           </p:cNvSpPr>
@@ -1873,7 +2102,7 @@
     </p:spTree>
     <p:extLst>
       <p:ext uri="{BB962C8B-B14F-4D97-AF65-F5344CB8AC3E}">
-        <p14:creationId xmlns:p14="http://schemas.microsoft.com/office/powerpoint/2010/main" val="3738305573"/>
+        <p14:creationId xmlns:p14="http://schemas.microsoft.com/office/powerpoint/2010/main" val="2468390049"/>
       </p:ext>
     </p:extLst>
   </p:cSld>
@@ -1902,13 +2131,7 @@
       </p:grpSpPr>
       <p:sp>
         <p:nvSpPr>
-          <p:cNvPr id="2" name="Title 1">
-            <a:extLst>
-              <a:ext uri="{FF2B5EF4-FFF2-40B4-BE49-F238E27FC236}">
-                <a16:creationId xmlns:a16="http://schemas.microsoft.com/office/drawing/2014/main" id="{7E334EDD-C9B5-4CF5-896D-477955F0A731}"/>
-              </a:ext>
-            </a:extLst>
-          </p:cNvPr>
+          <p:cNvPr id="2" name="Title 1"/>
           <p:cNvSpPr>
             <a:spLocks noGrp="1"/>
           </p:cNvSpPr>
@@ -1925,18 +2148,13 @@
               <a:rPr lang="en-US"/>
               <a:t>Click to edit Master title style</a:t>
             </a:r>
-          </a:p>
-        </p:txBody>
-      </p:sp>
-      <p:sp>
-        <p:nvSpPr>
-          <p:cNvPr id="3" name="Date Placeholder 2">
-            <a:extLst>
-              <a:ext uri="{FF2B5EF4-FFF2-40B4-BE49-F238E27FC236}">
-                <a16:creationId xmlns:a16="http://schemas.microsoft.com/office/drawing/2014/main" id="{63B3E332-0447-4947-98B0-183A8A6155F0}"/>
-              </a:ext>
-            </a:extLst>
-          </p:cNvPr>
+            <a:endParaRPr lang="en-US" dirty="0"/>
+          </a:p>
+        </p:txBody>
+      </p:sp>
+      <p:sp>
+        <p:nvSpPr>
+          <p:cNvPr id="3" name="Date Placeholder 2"/>
           <p:cNvSpPr>
             <a:spLocks noGrp="1"/>
           </p:cNvSpPr>
@@ -1951,7 +2169,7 @@
           <a:p>
             <a:fld id="{41B108F7-6354-44F0-A393-7DEBEC2C7C32}" type="datetimeFigureOut">
               <a:rPr lang="en-US" smtClean="0"/>
-              <a:t>6/24/2019</a:t>
+              <a:t>6/25/2019</a:t>
             </a:fld>
             <a:endParaRPr lang="en-US"/>
           </a:p>
@@ -1959,13 +2177,7 @@
       </p:sp>
       <p:sp>
         <p:nvSpPr>
-          <p:cNvPr id="4" name="Footer Placeholder 3">
-            <a:extLst>
-              <a:ext uri="{FF2B5EF4-FFF2-40B4-BE49-F238E27FC236}">
-                <a16:creationId xmlns:a16="http://schemas.microsoft.com/office/drawing/2014/main" id="{B0854796-725B-471D-A1A3-EB4EEF8D9176}"/>
-              </a:ext>
-            </a:extLst>
-          </p:cNvPr>
+          <p:cNvPr id="4" name="Footer Placeholder 3"/>
           <p:cNvSpPr>
             <a:spLocks noGrp="1"/>
           </p:cNvSpPr>
@@ -1984,13 +2196,7 @@
       </p:sp>
       <p:sp>
         <p:nvSpPr>
-          <p:cNvPr id="5" name="Slide Number Placeholder 4">
-            <a:extLst>
-              <a:ext uri="{FF2B5EF4-FFF2-40B4-BE49-F238E27FC236}">
-                <a16:creationId xmlns:a16="http://schemas.microsoft.com/office/drawing/2014/main" id="{B8C07DC3-C910-4B3A-8A34-9562DD0A4A6E}"/>
-              </a:ext>
-            </a:extLst>
-          </p:cNvPr>
+          <p:cNvPr id="5" name="Slide Number Placeholder 4"/>
           <p:cNvSpPr>
             <a:spLocks noGrp="1"/>
           </p:cNvSpPr>
@@ -2014,7 +2220,7 @@
     </p:spTree>
     <p:extLst>
       <p:ext uri="{BB962C8B-B14F-4D97-AF65-F5344CB8AC3E}">
-        <p14:creationId xmlns:p14="http://schemas.microsoft.com/office/powerpoint/2010/main" val="307809355"/>
+        <p14:creationId xmlns:p14="http://schemas.microsoft.com/office/powerpoint/2010/main" val="3835304688"/>
       </p:ext>
     </p:extLst>
   </p:cSld>
@@ -2043,13 +2249,7 @@
       </p:grpSpPr>
       <p:sp>
         <p:nvSpPr>
-          <p:cNvPr id="2" name="Date Placeholder 1">
-            <a:extLst>
-              <a:ext uri="{FF2B5EF4-FFF2-40B4-BE49-F238E27FC236}">
-                <a16:creationId xmlns:a16="http://schemas.microsoft.com/office/drawing/2014/main" id="{9CB27B35-D7B0-4279-805F-67F63BAE97EE}"/>
-              </a:ext>
-            </a:extLst>
-          </p:cNvPr>
+          <p:cNvPr id="2" name="Date Placeholder 1"/>
           <p:cNvSpPr>
             <a:spLocks noGrp="1"/>
           </p:cNvSpPr>
@@ -2064,7 +2264,7 @@
           <a:p>
             <a:fld id="{41B108F7-6354-44F0-A393-7DEBEC2C7C32}" type="datetimeFigureOut">
               <a:rPr lang="en-US" smtClean="0"/>
-              <a:t>6/24/2019</a:t>
+              <a:t>6/25/2019</a:t>
             </a:fld>
             <a:endParaRPr lang="en-US"/>
           </a:p>
@@ -2072,13 +2272,7 @@
       </p:sp>
       <p:sp>
         <p:nvSpPr>
-          <p:cNvPr id="3" name="Footer Placeholder 2">
-            <a:extLst>
-              <a:ext uri="{FF2B5EF4-FFF2-40B4-BE49-F238E27FC236}">
-                <a16:creationId xmlns:a16="http://schemas.microsoft.com/office/drawing/2014/main" id="{D69A9DD4-2FB8-43A6-8199-ECA4FBD466A7}"/>
-              </a:ext>
-            </a:extLst>
-          </p:cNvPr>
+          <p:cNvPr id="3" name="Footer Placeholder 2"/>
           <p:cNvSpPr>
             <a:spLocks noGrp="1"/>
           </p:cNvSpPr>
@@ -2097,13 +2291,7 @@
       </p:sp>
       <p:sp>
         <p:nvSpPr>
-          <p:cNvPr id="4" name="Slide Number Placeholder 3">
-            <a:extLst>
-              <a:ext uri="{FF2B5EF4-FFF2-40B4-BE49-F238E27FC236}">
-                <a16:creationId xmlns:a16="http://schemas.microsoft.com/office/drawing/2014/main" id="{B1104F03-A8BC-4CA3-8BE2-A5939B6FD639}"/>
-              </a:ext>
-            </a:extLst>
-          </p:cNvPr>
+          <p:cNvPr id="4" name="Slide Number Placeholder 3"/>
           <p:cNvSpPr>
             <a:spLocks noGrp="1"/>
           </p:cNvSpPr>
@@ -2127,7 +2315,7 @@
     </p:spTree>
     <p:extLst>
       <p:ext uri="{BB962C8B-B14F-4D97-AF65-F5344CB8AC3E}">
-        <p14:creationId xmlns:p14="http://schemas.microsoft.com/office/powerpoint/2010/main" val="674187573"/>
+        <p14:creationId xmlns:p14="http://schemas.microsoft.com/office/powerpoint/2010/main" val="2458143303"/>
       </p:ext>
     </p:extLst>
   </p:cSld>
@@ -2156,13 +2344,7 @@
       </p:grpSpPr>
       <p:sp>
         <p:nvSpPr>
-          <p:cNvPr id="2" name="Title 1">
-            <a:extLst>
-              <a:ext uri="{FF2B5EF4-FFF2-40B4-BE49-F238E27FC236}">
-                <a16:creationId xmlns:a16="http://schemas.microsoft.com/office/drawing/2014/main" id="{9F05A475-1ADA-4547-826F-8774EE2C65E2}"/>
-              </a:ext>
-            </a:extLst>
-          </p:cNvPr>
+          <p:cNvPr id="2" name="Title 1"/>
           <p:cNvSpPr>
             <a:spLocks noGrp="1"/>
           </p:cNvSpPr>
@@ -2172,8 +2354,8 @@
         </p:nvSpPr>
         <p:spPr>
           <a:xfrm>
-            <a:off x="839788" y="457200"/>
-            <a:ext cx="3932237" cy="1600200"/>
+            <a:off x="629841" y="457200"/>
+            <a:ext cx="2949178" cy="1600200"/>
           </a:xfrm>
         </p:spPr>
         <p:txBody>
@@ -2188,18 +2370,13 @@
               <a:rPr lang="en-US"/>
               <a:t>Click to edit Master title style</a:t>
             </a:r>
-          </a:p>
-        </p:txBody>
-      </p:sp>
-      <p:sp>
-        <p:nvSpPr>
-          <p:cNvPr id="3" name="Content Placeholder 2">
-            <a:extLst>
-              <a:ext uri="{FF2B5EF4-FFF2-40B4-BE49-F238E27FC236}">
-                <a16:creationId xmlns:a16="http://schemas.microsoft.com/office/drawing/2014/main" id="{456EC6B0-6DF7-4EEB-8F88-51E27F23C746}"/>
-              </a:ext>
-            </a:extLst>
-          </p:cNvPr>
+            <a:endParaRPr lang="en-US" dirty="0"/>
+          </a:p>
+        </p:txBody>
+      </p:sp>
+      <p:sp>
+        <p:nvSpPr>
+          <p:cNvPr id="3" name="Content Placeholder 2"/>
           <p:cNvSpPr>
             <a:spLocks noGrp="1"/>
           </p:cNvSpPr>
@@ -2209,8 +2386,8 @@
         </p:nvSpPr>
         <p:spPr>
           <a:xfrm>
-            <a:off x="5183188" y="987425"/>
-            <a:ext cx="6172200" cy="4873625"/>
+            <a:off x="3887391" y="987426"/>
+            <a:ext cx="4629150" cy="4873625"/>
           </a:xfrm>
         </p:spPr>
         <p:txBody>
@@ -2278,18 +2455,13 @@
               <a:rPr lang="en-US"/>
               <a:t>Fifth level</a:t>
             </a:r>
-          </a:p>
-        </p:txBody>
-      </p:sp>
-      <p:sp>
-        <p:nvSpPr>
-          <p:cNvPr id="4" name="Text Placeholder 3">
-            <a:extLst>
-              <a:ext uri="{FF2B5EF4-FFF2-40B4-BE49-F238E27FC236}">
-                <a16:creationId xmlns:a16="http://schemas.microsoft.com/office/drawing/2014/main" id="{7689F7F3-51CF-47B4-A40A-0DECB507C1F6}"/>
-              </a:ext>
-            </a:extLst>
-          </p:cNvPr>
+            <a:endParaRPr lang="en-US" dirty="0"/>
+          </a:p>
+        </p:txBody>
+      </p:sp>
+      <p:sp>
+        <p:nvSpPr>
+          <p:cNvPr id="4" name="Text Placeholder 3"/>
           <p:cNvSpPr>
             <a:spLocks noGrp="1"/>
           </p:cNvSpPr>
@@ -2299,8 +2471,8 @@
         </p:nvSpPr>
         <p:spPr>
           <a:xfrm>
-            <a:off x="839788" y="2057400"/>
-            <a:ext cx="3932237" cy="3811588"/>
+            <a:off x="629841" y="2057400"/>
+            <a:ext cx="2949178" cy="3811588"/>
           </a:xfrm>
         </p:spPr>
         <p:txBody>
@@ -2354,13 +2526,7 @@
       </p:sp>
       <p:sp>
         <p:nvSpPr>
-          <p:cNvPr id="5" name="Date Placeholder 4">
-            <a:extLst>
-              <a:ext uri="{FF2B5EF4-FFF2-40B4-BE49-F238E27FC236}">
-                <a16:creationId xmlns:a16="http://schemas.microsoft.com/office/drawing/2014/main" id="{50D531E2-ACC7-488F-AE28-E543A01062B0}"/>
-              </a:ext>
-            </a:extLst>
-          </p:cNvPr>
+          <p:cNvPr id="5" name="Date Placeholder 4"/>
           <p:cNvSpPr>
             <a:spLocks noGrp="1"/>
           </p:cNvSpPr>
@@ -2375,7 +2541,7 @@
           <a:p>
             <a:fld id="{41B108F7-6354-44F0-A393-7DEBEC2C7C32}" type="datetimeFigureOut">
               <a:rPr lang="en-US" smtClean="0"/>
-              <a:t>6/24/2019</a:t>
+              <a:t>6/25/2019</a:t>
             </a:fld>
             <a:endParaRPr lang="en-US"/>
           </a:p>
@@ -2383,13 +2549,7 @@
       </p:sp>
       <p:sp>
         <p:nvSpPr>
-          <p:cNvPr id="6" name="Footer Placeholder 5">
-            <a:extLst>
-              <a:ext uri="{FF2B5EF4-FFF2-40B4-BE49-F238E27FC236}">
-                <a16:creationId xmlns:a16="http://schemas.microsoft.com/office/drawing/2014/main" id="{24E47F82-413A-46B7-A645-EB500E0F12AD}"/>
-              </a:ext>
-            </a:extLst>
-          </p:cNvPr>
+          <p:cNvPr id="6" name="Footer Placeholder 5"/>
           <p:cNvSpPr>
             <a:spLocks noGrp="1"/>
           </p:cNvSpPr>
@@ -2408,13 +2568,7 @@
       </p:sp>
       <p:sp>
         <p:nvSpPr>
-          <p:cNvPr id="7" name="Slide Number Placeholder 6">
-            <a:extLst>
-              <a:ext uri="{FF2B5EF4-FFF2-40B4-BE49-F238E27FC236}">
-                <a16:creationId xmlns:a16="http://schemas.microsoft.com/office/drawing/2014/main" id="{B2462F2B-1E9F-433E-8F91-63968F1AFEAD}"/>
-              </a:ext>
-            </a:extLst>
-          </p:cNvPr>
+          <p:cNvPr id="7" name="Slide Number Placeholder 6"/>
           <p:cNvSpPr>
             <a:spLocks noGrp="1"/>
           </p:cNvSpPr>
@@ -2438,7 +2592,7 @@
     </p:spTree>
     <p:extLst>
       <p:ext uri="{BB962C8B-B14F-4D97-AF65-F5344CB8AC3E}">
-        <p14:creationId xmlns:p14="http://schemas.microsoft.com/office/powerpoint/2010/main" val="58807038"/>
+        <p14:creationId xmlns:p14="http://schemas.microsoft.com/office/powerpoint/2010/main" val="1011463897"/>
       </p:ext>
     </p:extLst>
   </p:cSld>
@@ -2467,13 +2621,7 @@
       </p:grpSpPr>
       <p:sp>
         <p:nvSpPr>
-          <p:cNvPr id="2" name="Title 1">
-            <a:extLst>
-              <a:ext uri="{FF2B5EF4-FFF2-40B4-BE49-F238E27FC236}">
-                <a16:creationId xmlns:a16="http://schemas.microsoft.com/office/drawing/2014/main" id="{ED7F5351-C782-47CC-8C30-0DFB14C1D11E}"/>
-              </a:ext>
-            </a:extLst>
-          </p:cNvPr>
+          <p:cNvPr id="2" name="Title 1"/>
           <p:cNvSpPr>
             <a:spLocks noGrp="1"/>
           </p:cNvSpPr>
@@ -2483,8 +2631,8 @@
         </p:nvSpPr>
         <p:spPr>
           <a:xfrm>
-            <a:off x="839788" y="457200"/>
-            <a:ext cx="3932237" cy="1600200"/>
+            <a:off x="629841" y="457200"/>
+            <a:ext cx="2949178" cy="1600200"/>
           </a:xfrm>
         </p:spPr>
         <p:txBody>
@@ -2499,20 +2647,15 @@
               <a:rPr lang="en-US"/>
               <a:t>Click to edit Master title style</a:t>
             </a:r>
-          </a:p>
-        </p:txBody>
-      </p:sp>
-      <p:sp>
-        <p:nvSpPr>
-          <p:cNvPr id="3" name="Picture Placeholder 2">
-            <a:extLst>
-              <a:ext uri="{FF2B5EF4-FFF2-40B4-BE49-F238E27FC236}">
-                <a16:creationId xmlns:a16="http://schemas.microsoft.com/office/drawing/2014/main" id="{F3A8550E-8B88-44F8-849D-A008932AB741}"/>
-              </a:ext>
-            </a:extLst>
-          </p:cNvPr>
-          <p:cNvSpPr>
-            <a:spLocks noGrp="1"/>
+            <a:endParaRPr lang="en-US" dirty="0"/>
+          </a:p>
+        </p:txBody>
+      </p:sp>
+      <p:sp>
+        <p:nvSpPr>
+          <p:cNvPr id="3" name="Picture Placeholder 2"/>
+          <p:cNvSpPr>
+            <a:spLocks noGrp="1" noChangeAspect="1"/>
           </p:cNvSpPr>
           <p:nvPr>
             <p:ph type="pic" idx="1"/>
@@ -2520,12 +2663,12 @@
         </p:nvSpPr>
         <p:spPr>
           <a:xfrm>
-            <a:off x="5183188" y="987425"/>
-            <a:ext cx="6172200" cy="4873625"/>
+            <a:off x="3887391" y="987426"/>
+            <a:ext cx="4629150" cy="4873625"/>
           </a:xfrm>
         </p:spPr>
         <p:txBody>
-          <a:bodyPr/>
+          <a:bodyPr anchor="t"/>
           <a:lstStyle>
             <a:lvl1pPr marL="0" indent="0">
               <a:buNone/>
@@ -2565,19 +2708,17 @@
             </a:lvl9pPr>
           </a:lstStyle>
           <a:p>
-            <a:endParaRPr lang="en-US"/>
-          </a:p>
-        </p:txBody>
-      </p:sp>
-      <p:sp>
-        <p:nvSpPr>
-          <p:cNvPr id="4" name="Text Placeholder 3">
-            <a:extLst>
-              <a:ext uri="{FF2B5EF4-FFF2-40B4-BE49-F238E27FC236}">
-                <a16:creationId xmlns:a16="http://schemas.microsoft.com/office/drawing/2014/main" id="{737DCD93-75C3-4E99-8651-A17B6ED74E95}"/>
-              </a:ext>
-            </a:extLst>
-          </p:cNvPr>
+            <a:r>
+              <a:rPr lang="en-US"/>
+              <a:t>Click icon to add picture</a:t>
+            </a:r>
+            <a:endParaRPr lang="en-US" dirty="0"/>
+          </a:p>
+        </p:txBody>
+      </p:sp>
+      <p:sp>
+        <p:nvSpPr>
+          <p:cNvPr id="4" name="Text Placeholder 3"/>
           <p:cNvSpPr>
             <a:spLocks noGrp="1"/>
           </p:cNvSpPr>
@@ -2587,8 +2728,8 @@
         </p:nvSpPr>
         <p:spPr>
           <a:xfrm>
-            <a:off x="839788" y="2057400"/>
-            <a:ext cx="3932237" cy="3811588"/>
+            <a:off x="629841" y="2057400"/>
+            <a:ext cx="2949178" cy="3811588"/>
           </a:xfrm>
         </p:spPr>
         <p:txBody>
@@ -2642,13 +2783,7 @@
       </p:sp>
       <p:sp>
         <p:nvSpPr>
-          <p:cNvPr id="5" name="Date Placeholder 4">
-            <a:extLst>
-              <a:ext uri="{FF2B5EF4-FFF2-40B4-BE49-F238E27FC236}">
-                <a16:creationId xmlns:a16="http://schemas.microsoft.com/office/drawing/2014/main" id="{D9E95B74-E501-4475-BB14-EC2F610EE218}"/>
-              </a:ext>
-            </a:extLst>
-          </p:cNvPr>
+          <p:cNvPr id="5" name="Date Placeholder 4"/>
           <p:cNvSpPr>
             <a:spLocks noGrp="1"/>
           </p:cNvSpPr>
@@ -2663,7 +2798,7 @@
           <a:p>
             <a:fld id="{41B108F7-6354-44F0-A393-7DEBEC2C7C32}" type="datetimeFigureOut">
               <a:rPr lang="en-US" smtClean="0"/>
-              <a:t>6/24/2019</a:t>
+              <a:t>6/25/2019</a:t>
             </a:fld>
             <a:endParaRPr lang="en-US"/>
           </a:p>
@@ -2671,13 +2806,7 @@
       </p:sp>
       <p:sp>
         <p:nvSpPr>
-          <p:cNvPr id="6" name="Footer Placeholder 5">
-            <a:extLst>
-              <a:ext uri="{FF2B5EF4-FFF2-40B4-BE49-F238E27FC236}">
-                <a16:creationId xmlns:a16="http://schemas.microsoft.com/office/drawing/2014/main" id="{F8335900-CDAC-4466-843F-C0EA99FF9E1F}"/>
-              </a:ext>
-            </a:extLst>
-          </p:cNvPr>
+          <p:cNvPr id="6" name="Footer Placeholder 5"/>
           <p:cNvSpPr>
             <a:spLocks noGrp="1"/>
           </p:cNvSpPr>
@@ -2696,13 +2825,7 @@
       </p:sp>
       <p:sp>
         <p:nvSpPr>
-          <p:cNvPr id="7" name="Slide Number Placeholder 6">
-            <a:extLst>
-              <a:ext uri="{FF2B5EF4-FFF2-40B4-BE49-F238E27FC236}">
-                <a16:creationId xmlns:a16="http://schemas.microsoft.com/office/drawing/2014/main" id="{D1C813FD-72F3-43D4-A1E0-472DF6AB73A8}"/>
-              </a:ext>
-            </a:extLst>
-          </p:cNvPr>
+          <p:cNvPr id="7" name="Slide Number Placeholder 6"/>
           <p:cNvSpPr>
             <a:spLocks noGrp="1"/>
           </p:cNvSpPr>
@@ -2726,7 +2849,7 @@
     </p:spTree>
     <p:extLst>
       <p:ext uri="{BB962C8B-B14F-4D97-AF65-F5344CB8AC3E}">
-        <p14:creationId xmlns:p14="http://schemas.microsoft.com/office/powerpoint/2010/main" val="3092819705"/>
+        <p14:creationId xmlns:p14="http://schemas.microsoft.com/office/powerpoint/2010/main" val="563492683"/>
       </p:ext>
     </p:extLst>
   </p:cSld>
@@ -2760,13 +2883,7 @@
       </p:grpSpPr>
       <p:sp>
         <p:nvSpPr>
-          <p:cNvPr id="2" name="Title Placeholder 1">
-            <a:extLst>
-              <a:ext uri="{FF2B5EF4-FFF2-40B4-BE49-F238E27FC236}">
-                <a16:creationId xmlns:a16="http://schemas.microsoft.com/office/drawing/2014/main" id="{4D387115-FEF6-468E-9408-DD1A9C9C8CA0}"/>
-              </a:ext>
-            </a:extLst>
-          </p:cNvPr>
+          <p:cNvPr id="2" name="Title Placeholder 1"/>
           <p:cNvSpPr>
             <a:spLocks noGrp="1"/>
           </p:cNvSpPr>
@@ -2776,8 +2893,8 @@
         </p:nvSpPr>
         <p:spPr>
           <a:xfrm>
-            <a:off x="838200" y="365125"/>
-            <a:ext cx="10515600" cy="1325563"/>
+            <a:off x="628650" y="365126"/>
+            <a:ext cx="7886700" cy="1325563"/>
           </a:xfrm>
           <a:prstGeom prst="rect">
             <a:avLst/>
@@ -2793,18 +2910,13 @@
               <a:rPr lang="en-US"/>
               <a:t>Click to edit Master title style</a:t>
             </a:r>
-          </a:p>
-        </p:txBody>
-      </p:sp>
-      <p:sp>
-        <p:nvSpPr>
-          <p:cNvPr id="3" name="Text Placeholder 2">
-            <a:extLst>
-              <a:ext uri="{FF2B5EF4-FFF2-40B4-BE49-F238E27FC236}">
-                <a16:creationId xmlns:a16="http://schemas.microsoft.com/office/drawing/2014/main" id="{B20200DD-327E-49F0-8877-BA35F629E2B1}"/>
-              </a:ext>
-            </a:extLst>
-          </p:cNvPr>
+            <a:endParaRPr lang="en-US" dirty="0"/>
+          </a:p>
+        </p:txBody>
+      </p:sp>
+      <p:sp>
+        <p:nvSpPr>
+          <p:cNvPr id="3" name="Text Placeholder 2"/>
           <p:cNvSpPr>
             <a:spLocks noGrp="1"/>
           </p:cNvSpPr>
@@ -2814,8 +2926,8 @@
         </p:nvSpPr>
         <p:spPr>
           <a:xfrm>
-            <a:off x="838200" y="1825625"/>
-            <a:ext cx="10515600" cy="4351338"/>
+            <a:off x="628650" y="1825625"/>
+            <a:ext cx="7886700" cy="4351338"/>
           </a:xfrm>
           <a:prstGeom prst="rect">
             <a:avLst/>
@@ -2860,18 +2972,13 @@
               <a:rPr lang="en-US"/>
               <a:t>Fifth level</a:t>
             </a:r>
-          </a:p>
-        </p:txBody>
-      </p:sp>
-      <p:sp>
-        <p:nvSpPr>
-          <p:cNvPr id="4" name="Date Placeholder 3">
-            <a:extLst>
-              <a:ext uri="{FF2B5EF4-FFF2-40B4-BE49-F238E27FC236}">
-                <a16:creationId xmlns:a16="http://schemas.microsoft.com/office/drawing/2014/main" id="{DE80A954-581A-44DB-8822-0C4D5B08E97A}"/>
-              </a:ext>
-            </a:extLst>
-          </p:cNvPr>
+            <a:endParaRPr lang="en-US" dirty="0"/>
+          </a:p>
+        </p:txBody>
+      </p:sp>
+      <p:sp>
+        <p:nvSpPr>
+          <p:cNvPr id="4" name="Date Placeholder 3"/>
           <p:cNvSpPr>
             <a:spLocks noGrp="1"/>
           </p:cNvSpPr>
@@ -2881,8 +2988,8 @@
         </p:nvSpPr>
         <p:spPr>
           <a:xfrm>
-            <a:off x="838200" y="6356350"/>
-            <a:ext cx="2743200" cy="365125"/>
+            <a:off x="628650" y="6356351"/>
+            <a:ext cx="2057400" cy="365125"/>
           </a:xfrm>
           <a:prstGeom prst="rect">
             <a:avLst/>
@@ -2904,7 +3011,7 @@
           <a:p>
             <a:fld id="{41B108F7-6354-44F0-A393-7DEBEC2C7C32}" type="datetimeFigureOut">
               <a:rPr lang="en-US" smtClean="0"/>
-              <a:t>6/24/2019</a:t>
+              <a:t>6/25/2019</a:t>
             </a:fld>
             <a:endParaRPr lang="en-US"/>
           </a:p>
@@ -2912,13 +3019,7 @@
       </p:sp>
       <p:sp>
         <p:nvSpPr>
-          <p:cNvPr id="5" name="Footer Placeholder 4">
-            <a:extLst>
-              <a:ext uri="{FF2B5EF4-FFF2-40B4-BE49-F238E27FC236}">
-                <a16:creationId xmlns:a16="http://schemas.microsoft.com/office/drawing/2014/main" id="{1B243B5C-0C2B-4F84-8D83-8EDE4ADA4DF1}"/>
-              </a:ext>
-            </a:extLst>
-          </p:cNvPr>
+          <p:cNvPr id="5" name="Footer Placeholder 4"/>
           <p:cNvSpPr>
             <a:spLocks noGrp="1"/>
           </p:cNvSpPr>
@@ -2928,8 +3029,8 @@
         </p:nvSpPr>
         <p:spPr>
           <a:xfrm>
-            <a:off x="4038600" y="6356350"/>
-            <a:ext cx="4114800" cy="365125"/>
+            <a:off x="3028950" y="6356351"/>
+            <a:ext cx="3086100" cy="365125"/>
           </a:xfrm>
           <a:prstGeom prst="rect">
             <a:avLst/>
@@ -2955,13 +3056,7 @@
       </p:sp>
       <p:sp>
         <p:nvSpPr>
-          <p:cNvPr id="6" name="Slide Number Placeholder 5">
-            <a:extLst>
-              <a:ext uri="{FF2B5EF4-FFF2-40B4-BE49-F238E27FC236}">
-                <a16:creationId xmlns:a16="http://schemas.microsoft.com/office/drawing/2014/main" id="{62BAF07D-5965-4A38-9A26-57E23ECF53A9}"/>
-              </a:ext>
-            </a:extLst>
-          </p:cNvPr>
+          <p:cNvPr id="6" name="Slide Number Placeholder 5"/>
           <p:cNvSpPr>
             <a:spLocks noGrp="1"/>
           </p:cNvSpPr>
@@ -2971,8 +3066,8 @@
         </p:nvSpPr>
         <p:spPr>
           <a:xfrm>
-            <a:off x="8610600" y="6356350"/>
-            <a:ext cx="2743200" cy="365125"/>
+            <a:off x="6457950" y="6356351"/>
+            <a:ext cx="2057400" cy="365125"/>
           </a:xfrm>
           <a:prstGeom prst="rect">
             <a:avLst/>
@@ -3003,23 +3098,23 @@
     </p:spTree>
     <p:extLst>
       <p:ext uri="{BB962C8B-B14F-4D97-AF65-F5344CB8AC3E}">
-        <p14:creationId xmlns:p14="http://schemas.microsoft.com/office/powerpoint/2010/main" val="3077857352"/>
+        <p14:creationId xmlns:p14="http://schemas.microsoft.com/office/powerpoint/2010/main" val="1850629344"/>
       </p:ext>
     </p:extLst>
   </p:cSld>
   <p:clrMap bg1="lt1" tx1="dk1" bg2="lt2" tx2="dk2" accent1="accent1" accent2="accent2" accent3="accent3" accent4="accent4" accent5="accent5" accent6="accent6" hlink="hlink" folHlink="folHlink"/>
   <p:sldLayoutIdLst>
-    <p:sldLayoutId id="2147483649" r:id="rId1"/>
-    <p:sldLayoutId id="2147483650" r:id="rId2"/>
-    <p:sldLayoutId id="2147483651" r:id="rId3"/>
-    <p:sldLayoutId id="2147483652" r:id="rId4"/>
-    <p:sldLayoutId id="2147483653" r:id="rId5"/>
-    <p:sldLayoutId id="2147483654" r:id="rId6"/>
-    <p:sldLayoutId id="2147483655" r:id="rId7"/>
-    <p:sldLayoutId id="2147483656" r:id="rId8"/>
-    <p:sldLayoutId id="2147483657" r:id="rId9"/>
-    <p:sldLayoutId id="2147483658" r:id="rId10"/>
-    <p:sldLayoutId id="2147483659" r:id="rId11"/>
+    <p:sldLayoutId id="2147483661" r:id="rId1"/>
+    <p:sldLayoutId id="2147483662" r:id="rId2"/>
+    <p:sldLayoutId id="2147483663" r:id="rId3"/>
+    <p:sldLayoutId id="2147483664" r:id="rId4"/>
+    <p:sldLayoutId id="2147483665" r:id="rId5"/>
+    <p:sldLayoutId id="2147483666" r:id="rId6"/>
+    <p:sldLayoutId id="2147483667" r:id="rId7"/>
+    <p:sldLayoutId id="2147483668" r:id="rId8"/>
+    <p:sldLayoutId id="2147483669" r:id="rId9"/>
+    <p:sldLayoutId id="2147483670" r:id="rId10"/>
+    <p:sldLayoutId id="2147483671" r:id="rId11"/>
   </p:sldLayoutIdLst>
   <p:txStyles>
     <p:titleStyle>
@@ -3326,7 +3421,7 @@
           <p:cNvPr id="2" name="Title 1">
             <a:extLst>
               <a:ext uri="{FF2B5EF4-FFF2-40B4-BE49-F238E27FC236}">
-                <a16:creationId xmlns:a16="http://schemas.microsoft.com/office/drawing/2014/main" id="{58BACB34-D9AC-44A0-AC80-F301FBC45C6E}"/>
+                <a16:creationId xmlns:a16="http://schemas.microsoft.com/office/drawing/2014/main" id="{B796F7CD-A4DA-4D92-A02F-D630E69F7421}"/>
               </a:ext>
             </a:extLst>
           </p:cNvPr>
@@ -3342,7 +3437,10 @@
           <a:bodyPr/>
           <a:lstStyle/>
           <a:p>
-            <a:endParaRPr lang="en-US"/>
+            <a:r>
+              <a:rPr lang="en-US" dirty="0"/>
+              <a:t>Dylan’s Update</a:t>
+            </a:r>
           </a:p>
         </p:txBody>
       </p:sp>
@@ -3351,7 +3449,7 @@
           <p:cNvPr id="3" name="Subtitle 2">
             <a:extLst>
               <a:ext uri="{FF2B5EF4-FFF2-40B4-BE49-F238E27FC236}">
-                <a16:creationId xmlns:a16="http://schemas.microsoft.com/office/drawing/2014/main" id="{8991106D-AA5E-4552-936E-68A50CF7CC4A}"/>
+                <a16:creationId xmlns:a16="http://schemas.microsoft.com/office/drawing/2014/main" id="{A8660502-37DE-421B-87E8-392423C842C7}"/>
               </a:ext>
             </a:extLst>
           </p:cNvPr>
@@ -3367,14 +3465,1000 @@
           <a:bodyPr/>
           <a:lstStyle/>
           <a:p>
-            <a:endParaRPr lang="en-US"/>
+            <a:r>
+              <a:rPr lang="en-US" dirty="0"/>
+              <a:t>26 June 2019</a:t>
+            </a:r>
           </a:p>
         </p:txBody>
       </p:sp>
     </p:spTree>
     <p:extLst>
       <p:ext uri="{BB962C8B-B14F-4D97-AF65-F5344CB8AC3E}">
-        <p14:creationId xmlns:p14="http://schemas.microsoft.com/office/powerpoint/2010/main" val="1726495966"/>
+        <p14:creationId xmlns:p14="http://schemas.microsoft.com/office/powerpoint/2010/main" val="3132550283"/>
+      </p:ext>
+    </p:extLst>
+  </p:cSld>
+  <p:clrMapOvr>
+    <a:masterClrMapping/>
+  </p:clrMapOvr>
+</p:sld>
+</file>
+
+<file path=ppt/slides/slide2.xml><?xml version="1.0" encoding="utf-8"?>
+<p:sld xmlns:a="http://schemas.openxmlformats.org/drawingml/2006/main" xmlns:r="http://schemas.openxmlformats.org/officeDocument/2006/relationships" xmlns:p="http://schemas.openxmlformats.org/presentationml/2006/main">
+  <p:cSld>
+    <p:spTree>
+      <p:nvGrpSpPr>
+        <p:cNvPr id="1" name=""/>
+        <p:cNvGrpSpPr/>
+        <p:nvPr/>
+      </p:nvGrpSpPr>
+      <p:grpSpPr>
+        <a:xfrm>
+          <a:off x="0" y="0"/>
+          <a:ext cx="0" cy="0"/>
+          <a:chOff x="0" y="0"/>
+          <a:chExt cx="0" cy="0"/>
+        </a:xfrm>
+      </p:grpSpPr>
+      <p:sp>
+        <p:nvSpPr>
+          <p:cNvPr id="2" name="Title 1">
+            <a:extLst>
+              <a:ext uri="{FF2B5EF4-FFF2-40B4-BE49-F238E27FC236}">
+                <a16:creationId xmlns:a16="http://schemas.microsoft.com/office/drawing/2014/main" id="{B5DBA861-D478-439C-A171-1F922CC751F3}"/>
+              </a:ext>
+            </a:extLst>
+          </p:cNvPr>
+          <p:cNvSpPr>
+            <a:spLocks noGrp="1"/>
+          </p:cNvSpPr>
+          <p:nvPr>
+            <p:ph type="title"/>
+          </p:nvPr>
+        </p:nvSpPr>
+        <p:spPr>
+          <a:xfrm>
+            <a:off x="629841" y="457200"/>
+            <a:ext cx="7848334" cy="1389355"/>
+          </a:xfrm>
+        </p:spPr>
+        <p:txBody>
+          <a:bodyPr>
+            <a:normAutofit/>
+          </a:bodyPr>
+          <a:lstStyle/>
+          <a:p>
+            <a:r>
+              <a:rPr lang="en-US" sz="4400" dirty="0"/>
+              <a:t>Vacuum Feedthrough Original Design</a:t>
+            </a:r>
+          </a:p>
+        </p:txBody>
+      </p:sp>
+      <p:sp>
+        <p:nvSpPr>
+          <p:cNvPr id="4" name="Text Placeholder 3">
+            <a:extLst>
+              <a:ext uri="{FF2B5EF4-FFF2-40B4-BE49-F238E27FC236}">
+                <a16:creationId xmlns:a16="http://schemas.microsoft.com/office/drawing/2014/main" id="{6AACFD7D-8C58-4DA3-B25E-6B82E88AAA9B}"/>
+              </a:ext>
+            </a:extLst>
+          </p:cNvPr>
+          <p:cNvSpPr>
+            <a:spLocks noGrp="1"/>
+          </p:cNvSpPr>
+          <p:nvPr>
+            <p:ph type="body" sz="half" idx="2"/>
+          </p:nvPr>
+        </p:nvSpPr>
+        <p:spPr>
+          <a:xfrm>
+            <a:off x="629841" y="2057400"/>
+            <a:ext cx="3105588" cy="3811588"/>
+          </a:xfrm>
+        </p:spPr>
+        <p:txBody>
+          <a:bodyPr>
+            <a:normAutofit fontScale="92500" lnSpcReduction="10000"/>
+          </a:bodyPr>
+          <a:lstStyle/>
+          <a:p>
+            <a:pPr marL="285750" indent="-285750">
+              <a:buFont typeface="Arial" panose="020B0604020202020204" pitchFamily="34" charset="0"/>
+              <a:buChar char="•"/>
+            </a:pPr>
+            <a:r>
+              <a:rPr lang="en-US" dirty="0"/>
+              <a:t>Slot design allows for </a:t>
+            </a:r>
+            <a:r>
+              <a:rPr lang="en-US" dirty="0" err="1"/>
+              <a:t>customisation</a:t>
+            </a:r>
+            <a:r>
+              <a:rPr lang="en-US" dirty="0"/>
+              <a:t> of connectors</a:t>
+            </a:r>
+          </a:p>
+          <a:p>
+            <a:pPr marL="285750" indent="-285750">
+              <a:buFont typeface="Arial" panose="020B0604020202020204" pitchFamily="34" charset="0"/>
+              <a:buChar char="•"/>
+            </a:pPr>
+            <a:r>
+              <a:rPr lang="en-US" dirty="0"/>
+              <a:t>Mechanically strong</a:t>
+            </a:r>
+          </a:p>
+          <a:p>
+            <a:pPr marL="285750" indent="-285750">
+              <a:buFont typeface="Arial" panose="020B0604020202020204" pitchFamily="34" charset="0"/>
+              <a:buChar char="•"/>
+            </a:pPr>
+            <a:r>
+              <a:rPr lang="en-US" dirty="0"/>
+              <a:t>Great signal isolation and ground coupling</a:t>
+            </a:r>
+          </a:p>
+          <a:p>
+            <a:r>
+              <a:rPr lang="en-US" dirty="0"/>
+              <a:t>Assembly</a:t>
+            </a:r>
+          </a:p>
+          <a:p>
+            <a:pPr marL="342900" indent="-342900">
+              <a:buFont typeface="+mj-lt"/>
+              <a:buAutoNum type="arabicPeriod"/>
+            </a:pPr>
+            <a:r>
+              <a:rPr lang="en-US" dirty="0"/>
+              <a:t>External connectors attached with high-temp solder</a:t>
+            </a:r>
+          </a:p>
+          <a:p>
+            <a:pPr marL="342900" indent="-342900">
+              <a:buFont typeface="+mj-lt"/>
+              <a:buAutoNum type="arabicPeriod"/>
+            </a:pPr>
+            <a:r>
+              <a:rPr lang="en-US" dirty="0"/>
+              <a:t>PCBs inserted, internal connectors attached with high-temp solder</a:t>
+            </a:r>
+          </a:p>
+          <a:p>
+            <a:pPr marL="342900" indent="-342900">
+              <a:buFont typeface="+mj-lt"/>
+              <a:buAutoNum type="arabicPeriod"/>
+            </a:pPr>
+            <a:r>
+              <a:rPr lang="en-US" dirty="0"/>
+              <a:t>Boards and brass rods fixed in place with low-temp solder</a:t>
+            </a:r>
+          </a:p>
+          <a:p>
+            <a:pPr marL="342900" indent="-342900">
+              <a:buFont typeface="+mj-lt"/>
+              <a:buAutoNum type="arabicPeriod"/>
+            </a:pPr>
+            <a:r>
+              <a:rPr lang="en-US" dirty="0"/>
+              <a:t>Epoxy applied</a:t>
+            </a:r>
+          </a:p>
+        </p:txBody>
+      </p:sp>
+      <p:pic>
+        <p:nvPicPr>
+          <p:cNvPr id="1026" name="Picture 2" descr="https://qittlab-nuc-01.campus.nist.gov/wordpress/wp-content/uploads/2018/11/img_5bfca23d25d67-full.png">
+            <a:extLst>
+              <a:ext uri="{FF2B5EF4-FFF2-40B4-BE49-F238E27FC236}">
+                <a16:creationId xmlns:a16="http://schemas.microsoft.com/office/drawing/2014/main" id="{2924278A-FE91-4EBA-8424-9FB34C2F2DE8}"/>
+              </a:ext>
+            </a:extLst>
+          </p:cNvPr>
+          <p:cNvPicPr>
+            <a:picLocks noChangeAspect="1" noChangeArrowheads="1"/>
+          </p:cNvPicPr>
+          <p:nvPr/>
+        </p:nvPicPr>
+        <p:blipFill>
+          <a:blip r:embed="rId2">
+            <a:extLst>
+              <a:ext uri="{28A0092B-C50C-407E-A947-70E740481C1C}">
+                <a14:useLocalDpi xmlns:a14="http://schemas.microsoft.com/office/drawing/2010/main" val="0"/>
+              </a:ext>
+            </a:extLst>
+          </a:blip>
+          <a:srcRect/>
+          <a:stretch>
+            <a:fillRect/>
+          </a:stretch>
+        </p:blipFill>
+        <p:spPr bwMode="auto">
+          <a:xfrm>
+            <a:off x="3735429" y="2057400"/>
+            <a:ext cx="4742746" cy="3110469"/>
+          </a:xfrm>
+          <a:prstGeom prst="rect">
+            <a:avLst/>
+          </a:prstGeom>
+          <a:noFill/>
+          <a:extLst>
+            <a:ext uri="{909E8E84-426E-40DD-AFC4-6F175D3DCCD1}">
+              <a14:hiddenFill xmlns:a14="http://schemas.microsoft.com/office/drawing/2010/main">
+                <a:solidFill>
+                  <a:srgbClr val="FFFFFF"/>
+                </a:solidFill>
+              </a14:hiddenFill>
+            </a:ext>
+          </a:extLst>
+        </p:spPr>
+      </p:pic>
+    </p:spTree>
+    <p:extLst>
+      <p:ext uri="{BB962C8B-B14F-4D97-AF65-F5344CB8AC3E}">
+        <p14:creationId xmlns:p14="http://schemas.microsoft.com/office/powerpoint/2010/main" val="3760220779"/>
+      </p:ext>
+    </p:extLst>
+  </p:cSld>
+  <p:clrMapOvr>
+    <a:masterClrMapping/>
+  </p:clrMapOvr>
+</p:sld>
+</file>
+
+<file path=ppt/slides/slide3.xml><?xml version="1.0" encoding="utf-8"?>
+<p:sld xmlns:a="http://schemas.openxmlformats.org/drawingml/2006/main" xmlns:r="http://schemas.openxmlformats.org/officeDocument/2006/relationships" xmlns:p="http://schemas.openxmlformats.org/presentationml/2006/main">
+  <p:cSld>
+    <p:spTree>
+      <p:nvGrpSpPr>
+        <p:cNvPr id="1" name=""/>
+        <p:cNvGrpSpPr/>
+        <p:nvPr/>
+      </p:nvGrpSpPr>
+      <p:grpSpPr>
+        <a:xfrm>
+          <a:off x="0" y="0"/>
+          <a:ext cx="0" cy="0"/>
+          <a:chOff x="0" y="0"/>
+          <a:chExt cx="0" cy="0"/>
+        </a:xfrm>
+      </p:grpSpPr>
+      <p:sp>
+        <p:nvSpPr>
+          <p:cNvPr id="2" name="Title 1">
+            <a:extLst>
+              <a:ext uri="{FF2B5EF4-FFF2-40B4-BE49-F238E27FC236}">
+                <a16:creationId xmlns:a16="http://schemas.microsoft.com/office/drawing/2014/main" id="{94C19B3A-C5C9-47A3-AAFF-03897DF807D8}"/>
+              </a:ext>
+            </a:extLst>
+          </p:cNvPr>
+          <p:cNvSpPr>
+            <a:spLocks noGrp="1"/>
+          </p:cNvSpPr>
+          <p:nvPr>
+            <p:ph type="title"/>
+          </p:nvPr>
+        </p:nvSpPr>
+        <p:spPr>
+          <a:xfrm>
+            <a:off x="629841" y="457200"/>
+            <a:ext cx="7884318" cy="759041"/>
+          </a:xfrm>
+        </p:spPr>
+        <p:txBody>
+          <a:bodyPr>
+            <a:normAutofit/>
+          </a:bodyPr>
+          <a:lstStyle/>
+          <a:p>
+            <a:r>
+              <a:rPr lang="en-US" sz="4400" dirty="0"/>
+              <a:t>Vacuum Feedthrough “Problems”</a:t>
+            </a:r>
+          </a:p>
+        </p:txBody>
+      </p:sp>
+      <p:sp>
+        <p:nvSpPr>
+          <p:cNvPr id="4" name="Text Placeholder 3">
+            <a:extLst>
+              <a:ext uri="{FF2B5EF4-FFF2-40B4-BE49-F238E27FC236}">
+                <a16:creationId xmlns:a16="http://schemas.microsoft.com/office/drawing/2014/main" id="{B66613B0-68EC-4F35-8929-64723E86750D}"/>
+              </a:ext>
+            </a:extLst>
+          </p:cNvPr>
+          <p:cNvSpPr>
+            <a:spLocks noGrp="1"/>
+          </p:cNvSpPr>
+          <p:nvPr>
+            <p:ph type="body" sz="half" idx="2"/>
+          </p:nvPr>
+        </p:nvSpPr>
+        <p:spPr>
+          <a:xfrm>
+            <a:off x="629841" y="1523206"/>
+            <a:ext cx="7626392" cy="3510433"/>
+          </a:xfrm>
+        </p:spPr>
+        <p:txBody>
+          <a:bodyPr>
+            <a:normAutofit/>
+          </a:bodyPr>
+          <a:lstStyle/>
+          <a:p>
+            <a:pPr marL="457200" indent="-457200">
+              <a:buFont typeface="Arial" panose="020B0604020202020204" pitchFamily="34" charset="0"/>
+              <a:buChar char="•"/>
+            </a:pPr>
+            <a:r>
+              <a:rPr lang="en-US" sz="2800" dirty="0"/>
+              <a:t>Long assembly time, many steps in procedure</a:t>
+            </a:r>
+          </a:p>
+          <a:p>
+            <a:pPr marL="457200" indent="-457200">
+              <a:buFont typeface="Arial" panose="020B0604020202020204" pitchFamily="34" charset="0"/>
+              <a:buChar char="•"/>
+            </a:pPr>
+            <a:r>
+              <a:rPr lang="en-US" sz="2800" dirty="0"/>
+              <a:t>Complex design</a:t>
+            </a:r>
+          </a:p>
+          <a:p>
+            <a:pPr marL="457200" indent="-457200">
+              <a:buFont typeface="Arial" panose="020B0604020202020204" pitchFamily="34" charset="0"/>
+              <a:buChar char="•"/>
+            </a:pPr>
+            <a:r>
+              <a:rPr lang="en-US" sz="2800" dirty="0"/>
+              <a:t>Prone to mistakes: solder bridges, misalignment, component slipping</a:t>
+            </a:r>
+          </a:p>
+          <a:p>
+            <a:pPr marL="914400" lvl="1" indent="-457200">
+              <a:buFont typeface="Arial" panose="020B0604020202020204" pitchFamily="34" charset="0"/>
+              <a:buChar char="•"/>
+            </a:pPr>
+            <a:r>
+              <a:rPr lang="en-US" sz="2600" dirty="0"/>
+              <a:t>Most impossible to fix</a:t>
+            </a:r>
+          </a:p>
+          <a:p>
+            <a:pPr marL="457200" indent="-457200">
+              <a:buFont typeface="Arial" panose="020B0604020202020204" pitchFamily="34" charset="0"/>
+              <a:buChar char="•"/>
+            </a:pPr>
+            <a:r>
+              <a:rPr lang="en-US" sz="2800" dirty="0"/>
+              <a:t>Doesn’t fit in conventional KF adapters</a:t>
+            </a:r>
+          </a:p>
+          <a:p>
+            <a:pPr marL="457200" indent="-457200">
+              <a:buFont typeface="Arial" panose="020B0604020202020204" pitchFamily="34" charset="0"/>
+              <a:buChar char="•"/>
+            </a:pPr>
+            <a:r>
+              <a:rPr lang="en-US" sz="2800" dirty="0"/>
+              <a:t>Many potential points of entry for air</a:t>
+            </a:r>
+          </a:p>
+        </p:txBody>
+      </p:sp>
+    </p:spTree>
+    <p:extLst>
+      <p:ext uri="{BB962C8B-B14F-4D97-AF65-F5344CB8AC3E}">
+        <p14:creationId xmlns:p14="http://schemas.microsoft.com/office/powerpoint/2010/main" val="3384724477"/>
+      </p:ext>
+    </p:extLst>
+  </p:cSld>
+  <p:clrMapOvr>
+    <a:masterClrMapping/>
+  </p:clrMapOvr>
+</p:sld>
+</file>
+
+<file path=ppt/slides/slide4.xml><?xml version="1.0" encoding="utf-8"?>
+<p:sld xmlns:a="http://schemas.openxmlformats.org/drawingml/2006/main" xmlns:r="http://schemas.openxmlformats.org/officeDocument/2006/relationships" xmlns:p="http://schemas.openxmlformats.org/presentationml/2006/main">
+  <p:cSld>
+    <p:spTree>
+      <p:nvGrpSpPr>
+        <p:cNvPr id="1" name=""/>
+        <p:cNvGrpSpPr/>
+        <p:nvPr/>
+      </p:nvGrpSpPr>
+      <p:grpSpPr>
+        <a:xfrm>
+          <a:off x="0" y="0"/>
+          <a:ext cx="0" cy="0"/>
+          <a:chOff x="0" y="0"/>
+          <a:chExt cx="0" cy="0"/>
+        </a:xfrm>
+      </p:grpSpPr>
+      <p:sp>
+        <p:nvSpPr>
+          <p:cNvPr id="2" name="Title 1">
+            <a:extLst>
+              <a:ext uri="{FF2B5EF4-FFF2-40B4-BE49-F238E27FC236}">
+                <a16:creationId xmlns:a16="http://schemas.microsoft.com/office/drawing/2014/main" id="{DFA98702-9E62-425D-8E06-EC2E4E9641A7}"/>
+              </a:ext>
+            </a:extLst>
+          </p:cNvPr>
+          <p:cNvSpPr>
+            <a:spLocks noGrp="1"/>
+          </p:cNvSpPr>
+          <p:nvPr>
+            <p:ph type="title"/>
+          </p:nvPr>
+        </p:nvSpPr>
+        <p:spPr>
+          <a:xfrm>
+            <a:off x="629841" y="347346"/>
+            <a:ext cx="4110835" cy="1200150"/>
+          </a:xfrm>
+        </p:spPr>
+        <p:txBody>
+          <a:bodyPr>
+            <a:normAutofit/>
+          </a:bodyPr>
+          <a:lstStyle/>
+          <a:p>
+            <a:r>
+              <a:rPr lang="en-US" sz="4000" dirty="0"/>
+              <a:t>New Feedthrough Design</a:t>
+            </a:r>
+          </a:p>
+        </p:txBody>
+      </p:sp>
+      <p:sp>
+        <p:nvSpPr>
+          <p:cNvPr id="4" name="Text Placeholder 3">
+            <a:extLst>
+              <a:ext uri="{FF2B5EF4-FFF2-40B4-BE49-F238E27FC236}">
+                <a16:creationId xmlns:a16="http://schemas.microsoft.com/office/drawing/2014/main" id="{760AEDD1-DF74-446F-814F-B823A5821988}"/>
+              </a:ext>
+            </a:extLst>
+          </p:cNvPr>
+          <p:cNvSpPr>
+            <a:spLocks noGrp="1"/>
+          </p:cNvSpPr>
+          <p:nvPr>
+            <p:ph type="body" sz="half" idx="2"/>
+          </p:nvPr>
+        </p:nvSpPr>
+        <p:spPr>
+          <a:xfrm>
+            <a:off x="629841" y="1533620"/>
+            <a:ext cx="5083740" cy="4040683"/>
+          </a:xfrm>
+        </p:spPr>
+        <p:txBody>
+          <a:bodyPr>
+            <a:normAutofit/>
+          </a:bodyPr>
+          <a:lstStyle/>
+          <a:p>
+            <a:pPr marL="214313" indent="-214313">
+              <a:buFont typeface="Arial" panose="020B0604020202020204" pitchFamily="34" charset="0"/>
+              <a:buChar char="•"/>
+            </a:pPr>
+            <a:r>
+              <a:rPr lang="en-US" sz="2400" dirty="0"/>
+              <a:t>All components mounted directly on board</a:t>
+            </a:r>
+          </a:p>
+          <a:p>
+            <a:pPr marL="557213" lvl="1" indent="-214313">
+              <a:buFont typeface="Arial" panose="020B0604020202020204" pitchFamily="34" charset="0"/>
+              <a:buChar char="•"/>
+            </a:pPr>
+            <a:r>
+              <a:rPr lang="en-US" sz="2000" dirty="0"/>
+              <a:t>Reduces assembly time and cost</a:t>
+            </a:r>
+          </a:p>
+          <a:p>
+            <a:pPr marL="557213" lvl="1" indent="-214313">
+              <a:buFont typeface="Arial" panose="020B0604020202020204" pitchFamily="34" charset="0"/>
+              <a:buChar char="•"/>
+            </a:pPr>
+            <a:r>
+              <a:rPr lang="en-US" sz="2000" dirty="0"/>
+              <a:t>Fewer opportunities for leaks</a:t>
+            </a:r>
+          </a:p>
+          <a:p>
+            <a:pPr marL="557213" lvl="1" indent="-214313">
+              <a:buFont typeface="Arial" panose="020B0604020202020204" pitchFamily="34" charset="0"/>
+              <a:buChar char="•"/>
+            </a:pPr>
+            <a:r>
+              <a:rPr lang="en-US" sz="2000" dirty="0"/>
+              <a:t>Shorter trace length to cross barrier</a:t>
+            </a:r>
+          </a:p>
+          <a:p>
+            <a:pPr marL="214313" indent="-214313">
+              <a:buFont typeface="Arial" panose="020B0604020202020204" pitchFamily="34" charset="0"/>
+              <a:buChar char="•"/>
+            </a:pPr>
+            <a:r>
+              <a:rPr lang="en-US" sz="2400" dirty="0"/>
+              <a:t>Smaller connector, same # of pins</a:t>
+            </a:r>
+          </a:p>
+          <a:p>
+            <a:pPr marL="557213" lvl="1" indent="-214313">
+              <a:buFont typeface="Arial" panose="020B0604020202020204" pitchFamily="34" charset="0"/>
+              <a:buChar char="•"/>
+            </a:pPr>
+            <a:r>
+              <a:rPr lang="en-US" sz="2000" dirty="0"/>
+              <a:t>More signals in same space</a:t>
+            </a:r>
+          </a:p>
+          <a:p>
+            <a:pPr marL="557213" lvl="1" indent="-214313">
+              <a:buFont typeface="Arial" panose="020B0604020202020204" pitchFamily="34" charset="0"/>
+              <a:buChar char="•"/>
+            </a:pPr>
+            <a:r>
+              <a:rPr lang="en-US" sz="2000" dirty="0"/>
+              <a:t>S-S-S as opposed to G-S-G</a:t>
+            </a:r>
+          </a:p>
+          <a:p>
+            <a:pPr marL="214313" indent="-214313">
+              <a:buFont typeface="Arial" panose="020B0604020202020204" pitchFamily="34" charset="0"/>
+              <a:buChar char="•"/>
+            </a:pPr>
+            <a:r>
+              <a:rPr lang="en-US" sz="2400" dirty="0"/>
+              <a:t>Two designs on developmental version</a:t>
+            </a:r>
+          </a:p>
+          <a:p>
+            <a:pPr marL="557213" lvl="1" indent="-214313">
+              <a:buFont typeface="Arial" panose="020B0604020202020204" pitchFamily="34" charset="0"/>
+              <a:buChar char="•"/>
+            </a:pPr>
+            <a:r>
+              <a:rPr lang="en-US" sz="2000" dirty="0" err="1"/>
+              <a:t>Vias</a:t>
+            </a:r>
+            <a:r>
+              <a:rPr lang="en-US" sz="2000" dirty="0"/>
+              <a:t> in a row vs </a:t>
+            </a:r>
+            <a:r>
+              <a:rPr lang="en-US" sz="2000" dirty="0" err="1"/>
+              <a:t>vias</a:t>
+            </a:r>
+            <a:r>
+              <a:rPr lang="en-US" sz="2000" dirty="0"/>
+              <a:t> alternating</a:t>
+            </a:r>
+          </a:p>
+        </p:txBody>
+      </p:sp>
+      <p:pic>
+        <p:nvPicPr>
+          <p:cNvPr id="6" name="Picture 5">
+            <a:extLst>
+              <a:ext uri="{FF2B5EF4-FFF2-40B4-BE49-F238E27FC236}">
+                <a16:creationId xmlns:a16="http://schemas.microsoft.com/office/drawing/2014/main" id="{234DB303-7A33-49B9-98EA-B2EFB4C76CAE}"/>
+              </a:ext>
+            </a:extLst>
+          </p:cNvPr>
+          <p:cNvPicPr>
+            <a:picLocks noChangeAspect="1"/>
+          </p:cNvPicPr>
+          <p:nvPr/>
+        </p:nvPicPr>
+        <p:blipFill>
+          <a:blip r:embed="rId3"/>
+          <a:stretch>
+            <a:fillRect/>
+          </a:stretch>
+        </p:blipFill>
+        <p:spPr>
+          <a:xfrm>
+            <a:off x="5713581" y="1749396"/>
+            <a:ext cx="3128578" cy="3095529"/>
+          </a:xfrm>
+          <a:prstGeom prst="rect">
+            <a:avLst/>
+          </a:prstGeom>
+        </p:spPr>
+      </p:pic>
+      <p:pic>
+        <p:nvPicPr>
+          <p:cNvPr id="7" name="Picture 6">
+            <a:extLst>
+              <a:ext uri="{FF2B5EF4-FFF2-40B4-BE49-F238E27FC236}">
+                <a16:creationId xmlns:a16="http://schemas.microsoft.com/office/drawing/2014/main" id="{23194415-D383-43D8-B7EF-1CE4DFE3F1B3}"/>
+              </a:ext>
+            </a:extLst>
+          </p:cNvPr>
+          <p:cNvPicPr>
+            <a:picLocks noChangeAspect="1"/>
+          </p:cNvPicPr>
+          <p:nvPr/>
+        </p:nvPicPr>
+        <p:blipFill>
+          <a:blip r:embed="rId4"/>
+          <a:stretch>
+            <a:fillRect/>
+          </a:stretch>
+        </p:blipFill>
+        <p:spPr>
+          <a:xfrm>
+            <a:off x="629841" y="5718775"/>
+            <a:ext cx="4315021" cy="794763"/>
+          </a:xfrm>
+          <a:prstGeom prst="rect">
+            <a:avLst/>
+          </a:prstGeom>
+        </p:spPr>
+      </p:pic>
+      <p:sp>
+        <p:nvSpPr>
+          <p:cNvPr id="8" name="TextBox 7">
+            <a:extLst>
+              <a:ext uri="{FF2B5EF4-FFF2-40B4-BE49-F238E27FC236}">
+                <a16:creationId xmlns:a16="http://schemas.microsoft.com/office/drawing/2014/main" id="{35FD2B99-6D5C-4DB2-A2C1-D2EB7C8EC341}"/>
+              </a:ext>
+            </a:extLst>
+          </p:cNvPr>
+          <p:cNvSpPr txBox="1"/>
+          <p:nvPr/>
+        </p:nvSpPr>
+        <p:spPr>
+          <a:xfrm>
+            <a:off x="4944862" y="5643561"/>
+            <a:ext cx="3897297" cy="677108"/>
+          </a:xfrm>
+          <a:prstGeom prst="rect">
+            <a:avLst/>
+          </a:prstGeom>
+          <a:noFill/>
+        </p:spPr>
+        <p:txBody>
+          <a:bodyPr wrap="square" rtlCol="0">
+            <a:spAutoFit/>
+          </a:bodyPr>
+          <a:lstStyle/>
+          <a:p>
+            <a:pPr marL="285750" indent="-285750">
+              <a:buFont typeface="Arial" panose="020B0604020202020204" pitchFamily="34" charset="0"/>
+              <a:buChar char="•"/>
+            </a:pPr>
+            <a:r>
+              <a:rPr lang="en-US" sz="2000" dirty="0"/>
+              <a:t>Needs modified </a:t>
+            </a:r>
+            <a:r>
+              <a:rPr lang="en-US" sz="2000" dirty="0" err="1"/>
+              <a:t>o-ring</a:t>
+            </a:r>
+            <a:r>
+              <a:rPr lang="en-US" sz="2000" dirty="0"/>
+              <a:t> to work</a:t>
+            </a:r>
+          </a:p>
+          <a:p>
+            <a:pPr marL="742950" lvl="1" indent="-285750">
+              <a:buFont typeface="Arial" panose="020B0604020202020204" pitchFamily="34" charset="0"/>
+              <a:buChar char="•"/>
+            </a:pPr>
+            <a:r>
+              <a:rPr lang="en-US" dirty="0"/>
+              <a:t>Clipped top section, 3d printed</a:t>
+            </a:r>
+            <a:endParaRPr lang="en-US" sz="1600" dirty="0"/>
+          </a:p>
+        </p:txBody>
+      </p:sp>
+    </p:spTree>
+    <p:extLst>
+      <p:ext uri="{BB962C8B-B14F-4D97-AF65-F5344CB8AC3E}">
+        <p14:creationId xmlns:p14="http://schemas.microsoft.com/office/powerpoint/2010/main" val="571055192"/>
+      </p:ext>
+    </p:extLst>
+  </p:cSld>
+  <p:clrMapOvr>
+    <a:masterClrMapping/>
+  </p:clrMapOvr>
+</p:sld>
+</file>
+
+<file path=ppt/slides/slide5.xml><?xml version="1.0" encoding="utf-8"?>
+<p:sld xmlns:a="http://schemas.openxmlformats.org/drawingml/2006/main" xmlns:r="http://schemas.openxmlformats.org/officeDocument/2006/relationships" xmlns:p="http://schemas.openxmlformats.org/presentationml/2006/main">
+  <p:cSld>
+    <p:spTree>
+      <p:nvGrpSpPr>
+        <p:cNvPr id="1" name=""/>
+        <p:cNvGrpSpPr/>
+        <p:nvPr/>
+      </p:nvGrpSpPr>
+      <p:grpSpPr>
+        <a:xfrm>
+          <a:off x="0" y="0"/>
+          <a:ext cx="0" cy="0"/>
+          <a:chOff x="0" y="0"/>
+          <a:chExt cx="0" cy="0"/>
+        </a:xfrm>
+      </p:grpSpPr>
+      <p:sp>
+        <p:nvSpPr>
+          <p:cNvPr id="2" name="Title 1">
+            <a:extLst>
+              <a:ext uri="{FF2B5EF4-FFF2-40B4-BE49-F238E27FC236}">
+                <a16:creationId xmlns:a16="http://schemas.microsoft.com/office/drawing/2014/main" id="{DAACA43A-164F-481C-86B5-629D7D056C65}"/>
+              </a:ext>
+            </a:extLst>
+          </p:cNvPr>
+          <p:cNvSpPr>
+            <a:spLocks noGrp="1"/>
+          </p:cNvSpPr>
+          <p:nvPr>
+            <p:ph type="title"/>
+          </p:nvPr>
+        </p:nvSpPr>
+        <p:spPr>
+          <a:xfrm>
+            <a:off x="629841" y="303652"/>
+            <a:ext cx="4761632" cy="1285451"/>
+          </a:xfrm>
+        </p:spPr>
+        <p:txBody>
+          <a:bodyPr>
+            <a:noAutofit/>
+          </a:bodyPr>
+          <a:lstStyle/>
+          <a:p>
+            <a:r>
+              <a:rPr lang="en-US" sz="4400" dirty="0"/>
+              <a:t>PCB Feedthrough Goals</a:t>
+            </a:r>
+          </a:p>
+        </p:txBody>
+      </p:sp>
+      <p:pic>
+        <p:nvPicPr>
+          <p:cNvPr id="5" name="Content Placeholder 4">
+            <a:extLst>
+              <a:ext uri="{FF2B5EF4-FFF2-40B4-BE49-F238E27FC236}">
+                <a16:creationId xmlns:a16="http://schemas.microsoft.com/office/drawing/2014/main" id="{E5BC35D5-9D6E-425D-8F5F-50A81FAA0397}"/>
+              </a:ext>
+            </a:extLst>
+          </p:cNvPr>
+          <p:cNvPicPr>
+            <a:picLocks noGrp="1" noChangeAspect="1"/>
+          </p:cNvPicPr>
+          <p:nvPr>
+            <p:ph idx="1"/>
+          </p:nvPr>
+        </p:nvPicPr>
+        <p:blipFill>
+          <a:blip r:embed="rId2"/>
+          <a:stretch>
+            <a:fillRect/>
+          </a:stretch>
+        </p:blipFill>
+        <p:spPr>
+          <a:xfrm>
+            <a:off x="5391473" y="303652"/>
+            <a:ext cx="2944584" cy="3016598"/>
+          </a:xfrm>
+          <a:prstGeom prst="rect">
+            <a:avLst/>
+          </a:prstGeom>
+        </p:spPr>
+      </p:pic>
+      <p:sp>
+        <p:nvSpPr>
+          <p:cNvPr id="4" name="Text Placeholder 3">
+            <a:extLst>
+              <a:ext uri="{FF2B5EF4-FFF2-40B4-BE49-F238E27FC236}">
+                <a16:creationId xmlns:a16="http://schemas.microsoft.com/office/drawing/2014/main" id="{5A511FB5-1705-412D-BFBB-93D3A363D1B9}"/>
+              </a:ext>
+            </a:extLst>
+          </p:cNvPr>
+          <p:cNvSpPr>
+            <a:spLocks noGrp="1"/>
+          </p:cNvSpPr>
+          <p:nvPr>
+            <p:ph type="body" sz="half" idx="2"/>
+          </p:nvPr>
+        </p:nvSpPr>
+        <p:spPr>
+          <a:xfrm>
+            <a:off x="629841" y="1589103"/>
+            <a:ext cx="4235122" cy="1731148"/>
+          </a:xfrm>
+        </p:spPr>
+        <p:txBody>
+          <a:bodyPr>
+            <a:normAutofit fontScale="92500"/>
+          </a:bodyPr>
+          <a:lstStyle/>
+          <a:p>
+            <a:pPr marL="257175" indent="-257175">
+              <a:buFont typeface="Arial" panose="020B0604020202020204" pitchFamily="34" charset="0"/>
+              <a:buChar char="•"/>
+            </a:pPr>
+            <a:r>
+              <a:rPr lang="en-US" sz="2100" dirty="0"/>
+              <a:t>Add as many connectors as physically possible</a:t>
+            </a:r>
+          </a:p>
+          <a:p>
+            <a:pPr marL="257175" indent="-257175">
+              <a:buFont typeface="Arial" panose="020B0604020202020204" pitchFamily="34" charset="0"/>
+              <a:buChar char="•"/>
+            </a:pPr>
+            <a:r>
+              <a:rPr lang="en-US" sz="2100" dirty="0"/>
+              <a:t>Achieve higher vacuum/tighter seal</a:t>
+            </a:r>
+          </a:p>
+          <a:p>
+            <a:pPr marL="600075" lvl="1" indent="-257175">
+              <a:buFont typeface="Arial" panose="020B0604020202020204" pitchFamily="34" charset="0"/>
+              <a:buChar char="•"/>
+            </a:pPr>
+            <a:r>
+              <a:rPr lang="en-US" sz="1950" dirty="0"/>
+              <a:t>Spacers, two boards, better </a:t>
+            </a:r>
+            <a:r>
+              <a:rPr lang="en-US" sz="1950" dirty="0" err="1"/>
+              <a:t>o-ring</a:t>
+            </a:r>
+            <a:endParaRPr lang="en-US" sz="1950" dirty="0"/>
+          </a:p>
+          <a:p>
+            <a:pPr marL="257175" indent="-257175">
+              <a:buFont typeface="Arial" panose="020B0604020202020204" pitchFamily="34" charset="0"/>
+              <a:buChar char="•"/>
+            </a:pPr>
+            <a:r>
+              <a:rPr lang="en-US" sz="2100" dirty="0"/>
+              <a:t>Keep it as simple as possible</a:t>
+            </a:r>
+          </a:p>
+          <a:p>
+            <a:pPr marL="257175" indent="-257175">
+              <a:buFont typeface="Arial" panose="020B0604020202020204" pitchFamily="34" charset="0"/>
+              <a:buChar char="•"/>
+            </a:pPr>
+            <a:endParaRPr lang="en-US" sz="2100" dirty="0"/>
+          </a:p>
+          <a:p>
+            <a:pPr marL="257175" indent="-257175">
+              <a:buFont typeface="Arial" panose="020B0604020202020204" pitchFamily="34" charset="0"/>
+              <a:buChar char="•"/>
+            </a:pPr>
+            <a:endParaRPr lang="en-US" sz="2100" dirty="0"/>
+          </a:p>
+        </p:txBody>
+      </p:sp>
+      <p:pic>
+        <p:nvPicPr>
+          <p:cNvPr id="6" name="Picture 5">
+            <a:extLst>
+              <a:ext uri="{FF2B5EF4-FFF2-40B4-BE49-F238E27FC236}">
+                <a16:creationId xmlns:a16="http://schemas.microsoft.com/office/drawing/2014/main" id="{D58D021B-933E-4F24-9EB0-F54135925492}"/>
+              </a:ext>
+            </a:extLst>
+          </p:cNvPr>
+          <p:cNvPicPr>
+            <a:picLocks noChangeAspect="1"/>
+          </p:cNvPicPr>
+          <p:nvPr/>
+        </p:nvPicPr>
+        <p:blipFill>
+          <a:blip r:embed="rId3"/>
+          <a:stretch>
+            <a:fillRect/>
+          </a:stretch>
+        </p:blipFill>
+        <p:spPr>
+          <a:xfrm>
+            <a:off x="629840" y="3464445"/>
+            <a:ext cx="3089903" cy="3089903"/>
+          </a:xfrm>
+          <a:prstGeom prst="rect">
+            <a:avLst/>
+          </a:prstGeom>
+        </p:spPr>
+      </p:pic>
+      <p:sp>
+        <p:nvSpPr>
+          <p:cNvPr id="7" name="TextBox 6">
+            <a:extLst>
+              <a:ext uri="{FF2B5EF4-FFF2-40B4-BE49-F238E27FC236}">
+                <a16:creationId xmlns:a16="http://schemas.microsoft.com/office/drawing/2014/main" id="{F4E01F12-F15F-4489-BF61-A423D88966C9}"/>
+              </a:ext>
+            </a:extLst>
+          </p:cNvPr>
+          <p:cNvSpPr txBox="1"/>
+          <p:nvPr/>
+        </p:nvSpPr>
+        <p:spPr>
+          <a:xfrm>
+            <a:off x="4154750" y="3814836"/>
+            <a:ext cx="4181307" cy="2062103"/>
+          </a:xfrm>
+          <a:prstGeom prst="rect">
+            <a:avLst/>
+          </a:prstGeom>
+          <a:noFill/>
+        </p:spPr>
+        <p:txBody>
+          <a:bodyPr wrap="square" rtlCol="0">
+            <a:spAutoFit/>
+          </a:bodyPr>
+          <a:lstStyle/>
+          <a:p>
+            <a:r>
+              <a:rPr lang="en-US" sz="2000" dirty="0"/>
+              <a:t>Things still left to do:</a:t>
+            </a:r>
+          </a:p>
+          <a:p>
+            <a:pPr marL="457200" indent="-457200">
+              <a:buFont typeface="+mj-lt"/>
+              <a:buAutoNum type="arabicPeriod"/>
+            </a:pPr>
+            <a:r>
+              <a:rPr lang="en-US" dirty="0"/>
+              <a:t>Perform leak check</a:t>
+            </a:r>
+          </a:p>
+          <a:p>
+            <a:pPr marL="800100" lvl="1" indent="-342900">
+              <a:buFont typeface="Arial" panose="020B0604020202020204" pitchFamily="34" charset="0"/>
+              <a:buChar char="•"/>
+            </a:pPr>
+            <a:r>
+              <a:rPr lang="en-US" dirty="0"/>
+              <a:t>Ensure that there’s more than a superficial seal</a:t>
+            </a:r>
+          </a:p>
+          <a:p>
+            <a:pPr marL="457200" indent="-457200">
+              <a:buFont typeface="+mj-lt"/>
+              <a:buAutoNum type="arabicPeriod"/>
+            </a:pPr>
+            <a:r>
+              <a:rPr lang="en-US" dirty="0"/>
+              <a:t>Measure crosstalk</a:t>
+            </a:r>
+          </a:p>
+          <a:p>
+            <a:pPr marL="800100" lvl="1" indent="-342900">
+              <a:buFont typeface="Arial" panose="020B0604020202020204" pitchFamily="34" charset="0"/>
+              <a:buChar char="•"/>
+            </a:pPr>
+            <a:r>
+              <a:rPr lang="en-US" dirty="0"/>
+              <a:t>See if S-S-S config is tenable in full setup</a:t>
+            </a:r>
+          </a:p>
+        </p:txBody>
+      </p:sp>
+    </p:spTree>
+    <p:extLst>
+      <p:ext uri="{BB962C8B-B14F-4D97-AF65-F5344CB8AC3E}">
+        <p14:creationId xmlns:p14="http://schemas.microsoft.com/office/powerpoint/2010/main" val="663460566"/>
       </p:ext>
     </p:extLst>
   </p:cSld>
@@ -3385,6 +4469,267 @@
 </file>
 
 <file path=ppt/theme/theme1.xml><?xml version="1.0" encoding="utf-8"?>
+<a:theme xmlns:a="http://schemas.openxmlformats.org/drawingml/2006/main" name="Office Theme">
+  <a:themeElements>
+    <a:clrScheme name="Office Theme">
+      <a:dk1>
+        <a:sysClr val="windowText" lastClr="000000"/>
+      </a:dk1>
+      <a:lt1>
+        <a:sysClr val="window" lastClr="FFFFFF"/>
+      </a:lt1>
+      <a:dk2>
+        <a:srgbClr val="44546A"/>
+      </a:dk2>
+      <a:lt2>
+        <a:srgbClr val="E7E6E6"/>
+      </a:lt2>
+      <a:accent1>
+        <a:srgbClr val="4472C4"/>
+      </a:accent1>
+      <a:accent2>
+        <a:srgbClr val="ED7D31"/>
+      </a:accent2>
+      <a:accent3>
+        <a:srgbClr val="A5A5A5"/>
+      </a:accent3>
+      <a:accent4>
+        <a:srgbClr val="FFC000"/>
+      </a:accent4>
+      <a:accent5>
+        <a:srgbClr val="5B9BD5"/>
+      </a:accent5>
+      <a:accent6>
+        <a:srgbClr val="70AD47"/>
+      </a:accent6>
+      <a:hlink>
+        <a:srgbClr val="0563C1"/>
+      </a:hlink>
+      <a:folHlink>
+        <a:srgbClr val="954F72"/>
+      </a:folHlink>
+    </a:clrScheme>
+    <a:fontScheme name="Office Theme">
+      <a:majorFont>
+        <a:latin typeface="Calibri Light" panose="020F0302020204030204"/>
+        <a:ea typeface=""/>
+        <a:cs typeface=""/>
+        <a:font script="Jpan" typeface="游ゴシック Light"/>
+        <a:font script="Hang" typeface="맑은 고딕"/>
+        <a:font script="Hans" typeface="等线 Light"/>
+        <a:font script="Hant" typeface="新細明體"/>
+        <a:font script="Arab" typeface="Times New Roman"/>
+        <a:font script="Hebr" typeface="Times New Roman"/>
+        <a:font script="Thai" typeface="Angsana New"/>
+        <a:font script="Ethi" typeface="Nyala"/>
+        <a:font script="Beng" typeface="Vrinda"/>
+        <a:font script="Gujr" typeface="Shruti"/>
+        <a:font script="Khmr" typeface="MoolBoran"/>
+        <a:font script="Knda" typeface="Tunga"/>
+        <a:font script="Guru" typeface="Raavi"/>
+        <a:font script="Cans" typeface="Euphemia"/>
+        <a:font script="Cher" typeface="Plantagenet Cherokee"/>
+        <a:font script="Yiii" typeface="Microsoft Yi Baiti"/>
+        <a:font script="Tibt" typeface="Microsoft Himalaya"/>
+        <a:font script="Thaa" typeface="MV Boli"/>
+        <a:font script="Deva" typeface="Mangal"/>
+        <a:font script="Telu" typeface="Gautami"/>
+        <a:font script="Taml" typeface="Latha"/>
+        <a:font script="Syrc" typeface="Estrangelo Edessa"/>
+        <a:font script="Orya" typeface="Kalinga"/>
+        <a:font script="Mlym" typeface="Kartika"/>
+        <a:font script="Laoo" typeface="DokChampa"/>
+        <a:font script="Sinh" typeface="Iskoola Pota"/>
+        <a:font script="Mong" typeface="Mongolian Baiti"/>
+        <a:font script="Viet" typeface="Times New Roman"/>
+        <a:font script="Uigh" typeface="Microsoft Uighur"/>
+        <a:font script="Geor" typeface="Sylfaen"/>
+      </a:majorFont>
+      <a:minorFont>
+        <a:latin typeface="Calibri" panose="020F0502020204030204"/>
+        <a:ea typeface=""/>
+        <a:cs typeface=""/>
+        <a:font script="Jpan" typeface="游ゴシック"/>
+        <a:font script="Hang" typeface="맑은 고딕"/>
+        <a:font script="Hans" typeface="等线"/>
+        <a:font script="Hant" typeface="新細明體"/>
+        <a:font script="Arab" typeface="Arial"/>
+        <a:font script="Hebr" typeface="Arial"/>
+        <a:font script="Thai" typeface="Cordia New"/>
+        <a:font script="Ethi" typeface="Nyala"/>
+        <a:font script="Beng" typeface="Vrinda"/>
+        <a:font script="Gujr" typeface="Shruti"/>
+        <a:font script="Khmr" typeface="DaunPenh"/>
+        <a:font script="Knda" typeface="Tunga"/>
+        <a:font script="Guru" typeface="Raavi"/>
+        <a:font script="Cans" typeface="Euphemia"/>
+        <a:font script="Cher" typeface="Plantagenet Cherokee"/>
+        <a:font script="Yiii" typeface="Microsoft Yi Baiti"/>
+        <a:font script="Tibt" typeface="Microsoft Himalaya"/>
+        <a:font script="Thaa" typeface="MV Boli"/>
+        <a:font script="Deva" typeface="Mangal"/>
+        <a:font script="Telu" typeface="Gautami"/>
+        <a:font script="Taml" typeface="Latha"/>
+        <a:font script="Syrc" typeface="Estrangelo Edessa"/>
+        <a:font script="Orya" typeface="Kalinga"/>
+        <a:font script="Mlym" typeface="Kartika"/>
+        <a:font script="Laoo" typeface="DokChampa"/>
+        <a:font script="Sinh" typeface="Iskoola Pota"/>
+        <a:font script="Mong" typeface="Mongolian Baiti"/>
+        <a:font script="Viet" typeface="Arial"/>
+        <a:font script="Uigh" typeface="Microsoft Uighur"/>
+        <a:font script="Geor" typeface="Sylfaen"/>
+      </a:minorFont>
+    </a:fontScheme>
+    <a:fmtScheme name="Office Theme">
+      <a:fillStyleLst>
+        <a:solidFill>
+          <a:schemeClr val="phClr"/>
+        </a:solidFill>
+        <a:gradFill rotWithShape="1">
+          <a:gsLst>
+            <a:gs pos="0">
+              <a:schemeClr val="phClr">
+                <a:lumMod val="110000"/>
+                <a:satMod val="105000"/>
+                <a:tint val="67000"/>
+              </a:schemeClr>
+            </a:gs>
+            <a:gs pos="50000">
+              <a:schemeClr val="phClr">
+                <a:lumMod val="105000"/>
+                <a:satMod val="103000"/>
+                <a:tint val="73000"/>
+              </a:schemeClr>
+            </a:gs>
+            <a:gs pos="100000">
+              <a:schemeClr val="phClr">
+                <a:lumMod val="105000"/>
+                <a:satMod val="109000"/>
+                <a:tint val="81000"/>
+              </a:schemeClr>
+            </a:gs>
+          </a:gsLst>
+          <a:lin ang="5400000" scaled="0"/>
+        </a:gradFill>
+        <a:gradFill rotWithShape="1">
+          <a:gsLst>
+            <a:gs pos="0">
+              <a:schemeClr val="phClr">
+                <a:satMod val="103000"/>
+                <a:lumMod val="102000"/>
+                <a:tint val="94000"/>
+              </a:schemeClr>
+            </a:gs>
+            <a:gs pos="50000">
+              <a:schemeClr val="phClr">
+                <a:satMod val="110000"/>
+                <a:lumMod val="100000"/>
+                <a:shade val="100000"/>
+              </a:schemeClr>
+            </a:gs>
+            <a:gs pos="100000">
+              <a:schemeClr val="phClr">
+                <a:lumMod val="99000"/>
+                <a:satMod val="120000"/>
+                <a:shade val="78000"/>
+              </a:schemeClr>
+            </a:gs>
+          </a:gsLst>
+          <a:lin ang="5400000" scaled="0"/>
+        </a:gradFill>
+      </a:fillStyleLst>
+      <a:lnStyleLst>
+        <a:ln w="6350" cap="flat" cmpd="sng" algn="ctr">
+          <a:solidFill>
+            <a:schemeClr val="phClr"/>
+          </a:solidFill>
+          <a:prstDash val="solid"/>
+          <a:miter lim="800000"/>
+        </a:ln>
+        <a:ln w="12700" cap="flat" cmpd="sng" algn="ctr">
+          <a:solidFill>
+            <a:schemeClr val="phClr"/>
+          </a:solidFill>
+          <a:prstDash val="solid"/>
+          <a:miter lim="800000"/>
+        </a:ln>
+        <a:ln w="19050" cap="flat" cmpd="sng" algn="ctr">
+          <a:solidFill>
+            <a:schemeClr val="phClr"/>
+          </a:solidFill>
+          <a:prstDash val="solid"/>
+          <a:miter lim="800000"/>
+        </a:ln>
+      </a:lnStyleLst>
+      <a:effectStyleLst>
+        <a:effectStyle>
+          <a:effectLst/>
+        </a:effectStyle>
+        <a:effectStyle>
+          <a:effectLst/>
+        </a:effectStyle>
+        <a:effectStyle>
+          <a:effectLst>
+            <a:outerShdw blurRad="57150" dist="19050" dir="5400000" algn="ctr" rotWithShape="0">
+              <a:srgbClr val="000000">
+                <a:alpha val="63000"/>
+              </a:srgbClr>
+            </a:outerShdw>
+          </a:effectLst>
+        </a:effectStyle>
+      </a:effectStyleLst>
+      <a:bgFillStyleLst>
+        <a:solidFill>
+          <a:schemeClr val="phClr"/>
+        </a:solidFill>
+        <a:solidFill>
+          <a:schemeClr val="phClr">
+            <a:tint val="95000"/>
+            <a:satMod val="170000"/>
+          </a:schemeClr>
+        </a:solidFill>
+        <a:gradFill rotWithShape="1">
+          <a:gsLst>
+            <a:gs pos="0">
+              <a:schemeClr val="phClr">
+                <a:tint val="93000"/>
+                <a:satMod val="150000"/>
+                <a:shade val="98000"/>
+                <a:lumMod val="102000"/>
+              </a:schemeClr>
+            </a:gs>
+            <a:gs pos="50000">
+              <a:schemeClr val="phClr">
+                <a:tint val="98000"/>
+                <a:satMod val="130000"/>
+                <a:shade val="90000"/>
+                <a:lumMod val="103000"/>
+              </a:schemeClr>
+            </a:gs>
+            <a:gs pos="100000">
+              <a:schemeClr val="phClr">
+                <a:shade val="63000"/>
+                <a:satMod val="120000"/>
+              </a:schemeClr>
+            </a:gs>
+          </a:gsLst>
+          <a:lin ang="5400000" scaled="0"/>
+        </a:gradFill>
+      </a:bgFillStyleLst>
+    </a:fmtScheme>
+  </a:themeElements>
+  <a:objectDefaults/>
+  <a:extraClrSchemeLst/>
+  <a:extLst>
+    <a:ext uri="{05A4C25C-085E-4340-85A3-A5531E510DB2}">
+      <thm15:themeFamily xmlns:thm15="http://schemas.microsoft.com/office/thememl/2012/main" name="Office Theme" id="{62F939B6-93AF-4DB8-9C6B-D6C7DFDC589F}" vid="{4A3C46E8-61CC-4603-A589-7422A47A8E4A}"/>
+    </a:ext>
+  </a:extLst>
+</a:theme>
+</file>
+
+<file path=ppt/theme/theme2.xml><?xml version="1.0" encoding="utf-8"?>
 <a:theme xmlns:a="http://schemas.openxmlformats.org/drawingml/2006/main" name="Office Theme">
   <a:themeElements>
     <a:clrScheme name="Office">

--- a/Presentations/26_June_2019.pptx
+++ b/Presentations/26_June_2019.pptx
@@ -201,7 +201,7 @@
           <a:p>
             <a:fld id="{DFD0684F-30B8-4E3A-89E2-746A8B4484A6}" type="datetimeFigureOut">
               <a:rPr lang="en-US" smtClean="0"/>
-              <a:t>6/25/2019</a:t>
+              <a:t>6/26/2019</a:t>
             </a:fld>
             <a:endParaRPr lang="en-US"/>
           </a:p>
@@ -688,7 +688,7 @@
           <a:p>
             <a:fld id="{41B108F7-6354-44F0-A393-7DEBEC2C7C32}" type="datetimeFigureOut">
               <a:rPr lang="en-US" smtClean="0"/>
-              <a:t>6/25/2019</a:t>
+              <a:t>6/26/2019</a:t>
             </a:fld>
             <a:endParaRPr lang="en-US"/>
           </a:p>
@@ -858,7 +858,7 @@
           <a:p>
             <a:fld id="{41B108F7-6354-44F0-A393-7DEBEC2C7C32}" type="datetimeFigureOut">
               <a:rPr lang="en-US" smtClean="0"/>
-              <a:t>6/25/2019</a:t>
+              <a:t>6/26/2019</a:t>
             </a:fld>
             <a:endParaRPr lang="en-US"/>
           </a:p>
@@ -1038,7 +1038,7 @@
           <a:p>
             <a:fld id="{41B108F7-6354-44F0-A393-7DEBEC2C7C32}" type="datetimeFigureOut">
               <a:rPr lang="en-US" smtClean="0"/>
-              <a:t>6/25/2019</a:t>
+              <a:t>6/26/2019</a:t>
             </a:fld>
             <a:endParaRPr lang="en-US"/>
           </a:p>
@@ -1208,7 +1208,7 @@
           <a:p>
             <a:fld id="{41B108F7-6354-44F0-A393-7DEBEC2C7C32}" type="datetimeFigureOut">
               <a:rPr lang="en-US" smtClean="0"/>
-              <a:t>6/25/2019</a:t>
+              <a:t>6/26/2019</a:t>
             </a:fld>
             <a:endParaRPr lang="en-US"/>
           </a:p>
@@ -1452,7 +1452,7 @@
           <a:p>
             <a:fld id="{41B108F7-6354-44F0-A393-7DEBEC2C7C32}" type="datetimeFigureOut">
               <a:rPr lang="en-US" smtClean="0"/>
-              <a:t>6/25/2019</a:t>
+              <a:t>6/26/2019</a:t>
             </a:fld>
             <a:endParaRPr lang="en-US"/>
           </a:p>
@@ -1684,7 +1684,7 @@
           <a:p>
             <a:fld id="{41B108F7-6354-44F0-A393-7DEBEC2C7C32}" type="datetimeFigureOut">
               <a:rPr lang="en-US" smtClean="0"/>
-              <a:t>6/25/2019</a:t>
+              <a:t>6/26/2019</a:t>
             </a:fld>
             <a:endParaRPr lang="en-US"/>
           </a:p>
@@ -2051,7 +2051,7 @@
           <a:p>
             <a:fld id="{41B108F7-6354-44F0-A393-7DEBEC2C7C32}" type="datetimeFigureOut">
               <a:rPr lang="en-US" smtClean="0"/>
-              <a:t>6/25/2019</a:t>
+              <a:t>6/26/2019</a:t>
             </a:fld>
             <a:endParaRPr lang="en-US"/>
           </a:p>
@@ -2169,7 +2169,7 @@
           <a:p>
             <a:fld id="{41B108F7-6354-44F0-A393-7DEBEC2C7C32}" type="datetimeFigureOut">
               <a:rPr lang="en-US" smtClean="0"/>
-              <a:t>6/25/2019</a:t>
+              <a:t>6/26/2019</a:t>
             </a:fld>
             <a:endParaRPr lang="en-US"/>
           </a:p>
@@ -2264,7 +2264,7 @@
           <a:p>
             <a:fld id="{41B108F7-6354-44F0-A393-7DEBEC2C7C32}" type="datetimeFigureOut">
               <a:rPr lang="en-US" smtClean="0"/>
-              <a:t>6/25/2019</a:t>
+              <a:t>6/26/2019</a:t>
             </a:fld>
             <a:endParaRPr lang="en-US"/>
           </a:p>
@@ -2541,7 +2541,7 @@
           <a:p>
             <a:fld id="{41B108F7-6354-44F0-A393-7DEBEC2C7C32}" type="datetimeFigureOut">
               <a:rPr lang="en-US" smtClean="0"/>
-              <a:t>6/25/2019</a:t>
+              <a:t>6/26/2019</a:t>
             </a:fld>
             <a:endParaRPr lang="en-US"/>
           </a:p>
@@ -2798,7 +2798,7 @@
           <a:p>
             <a:fld id="{41B108F7-6354-44F0-A393-7DEBEC2C7C32}" type="datetimeFigureOut">
               <a:rPr lang="en-US" smtClean="0"/>
-              <a:t>6/25/2019</a:t>
+              <a:t>6/26/2019</a:t>
             </a:fld>
             <a:endParaRPr lang="en-US"/>
           </a:p>
@@ -3011,7 +3011,7 @@
           <a:p>
             <a:fld id="{41B108F7-6354-44F0-A393-7DEBEC2C7C32}" type="datetimeFigureOut">
               <a:rPr lang="en-US" smtClean="0"/>
-              <a:t>6/25/2019</a:t>
+              <a:t>6/26/2019</a:t>
             </a:fld>
             <a:endParaRPr lang="en-US"/>
           </a:p>
@@ -3980,7 +3980,7 @@
             </a:pPr>
             <a:r>
               <a:rPr lang="en-US" sz="2000" dirty="0"/>
-              <a:t>Shorter trace length to cross barrier</a:t>
+              <a:t>Short trace lengths</a:t>
             </a:r>
           </a:p>
           <a:p>
